--- a/Numerical_simulations.pptx
+++ b/Numerical_simulations.pptx
@@ -161,7 +161,7 @@
   </p:defaultTextStyle>
   <p:extLst>
     <p:ext uri="{EFAFB233-063F-42B5-8137-9DF3F51BA10A}">
-      <p15:sldGuideLst xmlns:p15="http://schemas.microsoft.com/office/powerpoint/2012/main" xmlns="">
+      <p15:sldGuideLst xmlns="" xmlns:p15="http://schemas.microsoft.com/office/powerpoint/2012/main">
         <p15:guide id="1" orient="horz" pos="2160">
           <p15:clr>
             <a:srgbClr val="A4A3A4"/>
@@ -175,7 +175,7 @@
       </p15:sldGuideLst>
     </p:ext>
     <p:ext uri="{2D200454-40CA-4A62-9FC3-DE9A4176ACB9}">
-      <p15:notesGuideLst xmlns:p15="http://schemas.microsoft.com/office/powerpoint/2012/main" xmlns=""/>
+      <p15:notesGuideLst xmlns="" xmlns:p15="http://schemas.microsoft.com/office/powerpoint/2012/main"/>
     </p:ext>
   </p:extLst>
 </p:presentation>
@@ -231,14 +231,14 @@
           <a:effectLst/>
           <a:extLst>
             <a:ext uri="{909E8E84-426E-40DD-AFC4-6F175D3DCCD1}">
-              <a14:hiddenFill xmlns:a14="http://schemas.microsoft.com/office/drawing/2010/main" xmlns="">
+              <a14:hiddenFill xmlns="" xmlns:a14="http://schemas.microsoft.com/office/drawing/2010/main">
                 <a:solidFill>
                   <a:schemeClr val="accent1"/>
                 </a:solidFill>
               </a14:hiddenFill>
             </a:ext>
             <a:ext uri="{91240B29-F687-4F45-9708-019B960494DF}">
-              <a14:hiddenLine xmlns:a14="http://schemas.microsoft.com/office/drawing/2010/main" xmlns="" w="9525">
+              <a14:hiddenLine xmlns="" xmlns:a14="http://schemas.microsoft.com/office/drawing/2010/main" w="9525">
                 <a:solidFill>
                   <a:schemeClr val="tx1"/>
                 </a:solidFill>
@@ -248,7 +248,7 @@
               </a14:hiddenLine>
             </a:ext>
             <a:ext uri="{AF507438-7753-43E0-B8FC-AC1667EBCBE1}">
-              <a14:hiddenEffects xmlns:a14="http://schemas.microsoft.com/office/drawing/2010/main" xmlns="">
+              <a14:hiddenEffects xmlns="" xmlns:a14="http://schemas.microsoft.com/office/drawing/2010/main">
                 <a:effectLst>
                   <a:outerShdw dist="35921" dir="2700000" algn="ctr" rotWithShape="0">
                     <a:schemeClr val="bg2"/>
@@ -302,14 +302,14 @@
           <a:effectLst/>
           <a:extLst>
             <a:ext uri="{909E8E84-426E-40DD-AFC4-6F175D3DCCD1}">
-              <a14:hiddenFill xmlns:a14="http://schemas.microsoft.com/office/drawing/2010/main" xmlns="">
+              <a14:hiddenFill xmlns="" xmlns:a14="http://schemas.microsoft.com/office/drawing/2010/main">
                 <a:solidFill>
                   <a:schemeClr val="accent1"/>
                 </a:solidFill>
               </a14:hiddenFill>
             </a:ext>
             <a:ext uri="{91240B29-F687-4F45-9708-019B960494DF}">
-              <a14:hiddenLine xmlns:a14="http://schemas.microsoft.com/office/drawing/2010/main" xmlns="" w="9525">
+              <a14:hiddenLine xmlns="" xmlns:a14="http://schemas.microsoft.com/office/drawing/2010/main" w="9525">
                 <a:solidFill>
                   <a:schemeClr val="tx1"/>
                 </a:solidFill>
@@ -319,7 +319,7 @@
               </a14:hiddenLine>
             </a:ext>
             <a:ext uri="{AF507438-7753-43E0-B8FC-AC1667EBCBE1}">
-              <a14:hiddenEffects xmlns:a14="http://schemas.microsoft.com/office/drawing/2010/main" xmlns="">
+              <a14:hiddenEffects xmlns="" xmlns:a14="http://schemas.microsoft.com/office/drawing/2010/main">
                 <a:effectLst>
                   <a:outerShdw dist="35921" dir="2700000" algn="ctr" rotWithShape="0">
                     <a:schemeClr val="bg2"/>
@@ -373,14 +373,14 @@
           <a:effectLst/>
           <a:extLst>
             <a:ext uri="{909E8E84-426E-40DD-AFC4-6F175D3DCCD1}">
-              <a14:hiddenFill xmlns:a14="http://schemas.microsoft.com/office/drawing/2010/main" xmlns="">
+              <a14:hiddenFill xmlns="" xmlns:a14="http://schemas.microsoft.com/office/drawing/2010/main">
                 <a:solidFill>
                   <a:schemeClr val="accent1"/>
                 </a:solidFill>
               </a14:hiddenFill>
             </a:ext>
             <a:ext uri="{91240B29-F687-4F45-9708-019B960494DF}">
-              <a14:hiddenLine xmlns:a14="http://schemas.microsoft.com/office/drawing/2010/main" xmlns="" w="9525">
+              <a14:hiddenLine xmlns="" xmlns:a14="http://schemas.microsoft.com/office/drawing/2010/main" w="9525">
                 <a:solidFill>
                   <a:schemeClr val="tx1"/>
                 </a:solidFill>
@@ -390,7 +390,7 @@
               </a14:hiddenLine>
             </a:ext>
             <a:ext uri="{AF507438-7753-43E0-B8FC-AC1667EBCBE1}">
-              <a14:hiddenEffects xmlns:a14="http://schemas.microsoft.com/office/drawing/2010/main" xmlns="">
+              <a14:hiddenEffects xmlns="" xmlns:a14="http://schemas.microsoft.com/office/drawing/2010/main">
                 <a:effectLst>
                   <a:outerShdw dist="35921" dir="2700000" algn="ctr" rotWithShape="0">
                     <a:schemeClr val="bg2"/>
@@ -444,14 +444,14 @@
           <a:effectLst/>
           <a:extLst>
             <a:ext uri="{909E8E84-426E-40DD-AFC4-6F175D3DCCD1}">
-              <a14:hiddenFill xmlns:a14="http://schemas.microsoft.com/office/drawing/2010/main" xmlns="">
+              <a14:hiddenFill xmlns="" xmlns:a14="http://schemas.microsoft.com/office/drawing/2010/main">
                 <a:solidFill>
                   <a:schemeClr val="accent1"/>
                 </a:solidFill>
               </a14:hiddenFill>
             </a:ext>
             <a:ext uri="{91240B29-F687-4F45-9708-019B960494DF}">
-              <a14:hiddenLine xmlns:a14="http://schemas.microsoft.com/office/drawing/2010/main" xmlns="" w="9525">
+              <a14:hiddenLine xmlns="" xmlns:a14="http://schemas.microsoft.com/office/drawing/2010/main" w="9525">
                 <a:solidFill>
                   <a:schemeClr val="tx1"/>
                 </a:solidFill>
@@ -461,7 +461,7 @@
               </a14:hiddenLine>
             </a:ext>
             <a:ext uri="{AF507438-7753-43E0-B8FC-AC1667EBCBE1}">
-              <a14:hiddenEffects xmlns:a14="http://schemas.microsoft.com/office/drawing/2010/main" xmlns="">
+              <a14:hiddenEffects xmlns="" xmlns:a14="http://schemas.microsoft.com/office/drawing/2010/main">
                 <a:effectLst>
                   <a:outerShdw dist="35921" dir="2700000" algn="ctr" rotWithShape="0">
                     <a:schemeClr val="bg2"/>
@@ -500,7 +500,7 @@
     </p:spTree>
     <p:extLst>
       <p:ext uri="{BB962C8B-B14F-4D97-AF65-F5344CB8AC3E}">
-        <p14:creationId xmlns:p14="http://schemas.microsoft.com/office/powerpoint/2010/main" xmlns="" val="3696040276"/>
+        <p14:creationId xmlns="" xmlns:p14="http://schemas.microsoft.com/office/powerpoint/2010/main" val="3696040276"/>
       </p:ext>
     </p:extLst>
   </p:cSld>
@@ -558,14 +558,14 @@
           <a:effectLst/>
           <a:extLst>
             <a:ext uri="{909E8E84-426E-40DD-AFC4-6F175D3DCCD1}">
-              <a14:hiddenFill xmlns:a14="http://schemas.microsoft.com/office/drawing/2010/main" xmlns="">
+              <a14:hiddenFill xmlns="" xmlns:a14="http://schemas.microsoft.com/office/drawing/2010/main">
                 <a:solidFill>
                   <a:schemeClr val="accent1"/>
                 </a:solidFill>
               </a14:hiddenFill>
             </a:ext>
             <a:ext uri="{91240B29-F687-4F45-9708-019B960494DF}">
-              <a14:hiddenLine xmlns:a14="http://schemas.microsoft.com/office/drawing/2010/main" xmlns="" w="9525">
+              <a14:hiddenLine xmlns="" xmlns:a14="http://schemas.microsoft.com/office/drawing/2010/main" w="9525">
                 <a:solidFill>
                   <a:schemeClr val="tx1"/>
                 </a:solidFill>
@@ -575,7 +575,7 @@
               </a14:hiddenLine>
             </a:ext>
             <a:ext uri="{AF507438-7753-43E0-B8FC-AC1667EBCBE1}">
-              <a14:hiddenEffects xmlns:a14="http://schemas.microsoft.com/office/drawing/2010/main" xmlns="">
+              <a14:hiddenEffects xmlns="" xmlns:a14="http://schemas.microsoft.com/office/drawing/2010/main">
                 <a:effectLst>
                   <a:outerShdw dist="35921" dir="2700000" algn="ctr" rotWithShape="0">
                     <a:schemeClr val="bg2"/>
@@ -629,14 +629,14 @@
           <a:effectLst/>
           <a:extLst>
             <a:ext uri="{909E8E84-426E-40DD-AFC4-6F175D3DCCD1}">
-              <a14:hiddenFill xmlns:a14="http://schemas.microsoft.com/office/drawing/2010/main" xmlns="">
+              <a14:hiddenFill xmlns="" xmlns:a14="http://schemas.microsoft.com/office/drawing/2010/main">
                 <a:solidFill>
                   <a:schemeClr val="accent1"/>
                 </a:solidFill>
               </a14:hiddenFill>
             </a:ext>
             <a:ext uri="{91240B29-F687-4F45-9708-019B960494DF}">
-              <a14:hiddenLine xmlns:a14="http://schemas.microsoft.com/office/drawing/2010/main" xmlns="" w="9525">
+              <a14:hiddenLine xmlns="" xmlns:a14="http://schemas.microsoft.com/office/drawing/2010/main" w="9525">
                 <a:solidFill>
                   <a:schemeClr val="tx1"/>
                 </a:solidFill>
@@ -646,7 +646,7 @@
               </a14:hiddenLine>
             </a:ext>
             <a:ext uri="{AF507438-7753-43E0-B8FC-AC1667EBCBE1}">
-              <a14:hiddenEffects xmlns:a14="http://schemas.microsoft.com/office/drawing/2010/main" xmlns="">
+              <a14:hiddenEffects xmlns="" xmlns:a14="http://schemas.microsoft.com/office/drawing/2010/main">
                 <a:effectLst>
                   <a:outerShdw dist="35921" dir="2700000" algn="ctr" rotWithShape="0">
                     <a:schemeClr val="bg2"/>
@@ -705,14 +705,14 @@
           <a:effectLst/>
           <a:extLst>
             <a:ext uri="{909E8E84-426E-40DD-AFC4-6F175D3DCCD1}">
-              <a14:hiddenFill xmlns:a14="http://schemas.microsoft.com/office/drawing/2010/main" xmlns="">
+              <a14:hiddenFill xmlns="" xmlns:a14="http://schemas.microsoft.com/office/drawing/2010/main">
                 <a:solidFill>
                   <a:srgbClr val="FFFFFF"/>
                 </a:solidFill>
               </a14:hiddenFill>
             </a:ext>
             <a:ext uri="{AF507438-7753-43E0-B8FC-AC1667EBCBE1}">
-              <a14:hiddenEffects xmlns:a14="http://schemas.microsoft.com/office/drawing/2010/main" xmlns="">
+              <a14:hiddenEffects xmlns="" xmlns:a14="http://schemas.microsoft.com/office/drawing/2010/main">
                 <a:effectLst>
                   <a:outerShdw dist="35921" dir="2700000" algn="ctr" rotWithShape="0">
                     <a:srgbClr val="808080"/>
@@ -721,7 +721,7 @@
               </a14:hiddenEffects>
             </a:ext>
             <a:ext uri="{53640926-AAD7-44D8-BBD7-CCE9431645EC}">
-              <a14:shadowObscured xmlns:a14="http://schemas.microsoft.com/office/drawing/2010/main" xmlns="" val="1"/>
+              <a14:shadowObscured xmlns="" xmlns:a14="http://schemas.microsoft.com/office/drawing/2010/main" val="1"/>
             </a:ext>
           </a:extLst>
         </p:spPr>
@@ -751,14 +751,14 @@
           <a:effectLst/>
           <a:extLst>
             <a:ext uri="{909E8E84-426E-40DD-AFC4-6F175D3DCCD1}">
-              <a14:hiddenFill xmlns:a14="http://schemas.microsoft.com/office/drawing/2010/main" xmlns="">
+              <a14:hiddenFill xmlns="" xmlns:a14="http://schemas.microsoft.com/office/drawing/2010/main">
                 <a:solidFill>
                   <a:schemeClr val="accent1"/>
                 </a:solidFill>
               </a14:hiddenFill>
             </a:ext>
             <a:ext uri="{91240B29-F687-4F45-9708-019B960494DF}">
-              <a14:hiddenLine xmlns:a14="http://schemas.microsoft.com/office/drawing/2010/main" xmlns="" w="9525">
+              <a14:hiddenLine xmlns="" xmlns:a14="http://schemas.microsoft.com/office/drawing/2010/main" w="9525">
                 <a:solidFill>
                   <a:schemeClr val="tx1"/>
                 </a:solidFill>
@@ -768,7 +768,7 @@
               </a14:hiddenLine>
             </a:ext>
             <a:ext uri="{AF507438-7753-43E0-B8FC-AC1667EBCBE1}">
-              <a14:hiddenEffects xmlns:a14="http://schemas.microsoft.com/office/drawing/2010/main" xmlns="">
+              <a14:hiddenEffects xmlns="" xmlns:a14="http://schemas.microsoft.com/office/drawing/2010/main">
                 <a:effectLst>
                   <a:outerShdw dist="35921" dir="2700000" algn="ctr" rotWithShape="0">
                     <a:schemeClr val="bg2"/>
@@ -847,14 +847,14 @@
           <a:effectLst/>
           <a:extLst>
             <a:ext uri="{909E8E84-426E-40DD-AFC4-6F175D3DCCD1}">
-              <a14:hiddenFill xmlns:a14="http://schemas.microsoft.com/office/drawing/2010/main" xmlns="">
+              <a14:hiddenFill xmlns="" xmlns:a14="http://schemas.microsoft.com/office/drawing/2010/main">
                 <a:solidFill>
                   <a:schemeClr val="accent1"/>
                 </a:solidFill>
               </a14:hiddenFill>
             </a:ext>
             <a:ext uri="{91240B29-F687-4F45-9708-019B960494DF}">
-              <a14:hiddenLine xmlns:a14="http://schemas.microsoft.com/office/drawing/2010/main" xmlns="" w="9525">
+              <a14:hiddenLine xmlns="" xmlns:a14="http://schemas.microsoft.com/office/drawing/2010/main" w="9525">
                 <a:solidFill>
                   <a:schemeClr val="tx1"/>
                 </a:solidFill>
@@ -864,7 +864,7 @@
               </a14:hiddenLine>
             </a:ext>
             <a:ext uri="{AF507438-7753-43E0-B8FC-AC1667EBCBE1}">
-              <a14:hiddenEffects xmlns:a14="http://schemas.microsoft.com/office/drawing/2010/main" xmlns="">
+              <a14:hiddenEffects xmlns="" xmlns:a14="http://schemas.microsoft.com/office/drawing/2010/main">
                 <a:effectLst>
                   <a:outerShdw dist="35921" dir="2700000" algn="ctr" rotWithShape="0">
                     <a:schemeClr val="bg2"/>
@@ -918,14 +918,14 @@
           <a:effectLst/>
           <a:extLst>
             <a:ext uri="{909E8E84-426E-40DD-AFC4-6F175D3DCCD1}">
-              <a14:hiddenFill xmlns:a14="http://schemas.microsoft.com/office/drawing/2010/main" xmlns="">
+              <a14:hiddenFill xmlns="" xmlns:a14="http://schemas.microsoft.com/office/drawing/2010/main">
                 <a:solidFill>
                   <a:schemeClr val="accent1"/>
                 </a:solidFill>
               </a14:hiddenFill>
             </a:ext>
             <a:ext uri="{91240B29-F687-4F45-9708-019B960494DF}">
-              <a14:hiddenLine xmlns:a14="http://schemas.microsoft.com/office/drawing/2010/main" xmlns="" w="9525">
+              <a14:hiddenLine xmlns="" xmlns:a14="http://schemas.microsoft.com/office/drawing/2010/main" w="9525">
                 <a:solidFill>
                   <a:schemeClr val="tx1"/>
                 </a:solidFill>
@@ -935,7 +935,7 @@
               </a14:hiddenLine>
             </a:ext>
             <a:ext uri="{AF507438-7753-43E0-B8FC-AC1667EBCBE1}">
-              <a14:hiddenEffects xmlns:a14="http://schemas.microsoft.com/office/drawing/2010/main" xmlns="">
+              <a14:hiddenEffects xmlns="" xmlns:a14="http://schemas.microsoft.com/office/drawing/2010/main">
                 <a:effectLst>
                   <a:outerShdw dist="35921" dir="2700000" algn="ctr" rotWithShape="0">
                     <a:schemeClr val="bg2"/>
@@ -974,7 +974,7 @@
     </p:spTree>
     <p:extLst>
       <p:ext uri="{BB962C8B-B14F-4D97-AF65-F5344CB8AC3E}">
-        <p14:creationId xmlns:p14="http://schemas.microsoft.com/office/powerpoint/2010/main" xmlns="" val="2296488669"/>
+        <p14:creationId xmlns="" xmlns:p14="http://schemas.microsoft.com/office/powerpoint/2010/main" val="2296488669"/>
       </p:ext>
     </p:extLst>
   </p:cSld>
@@ -1284,7 +1284,7 @@
     </p:spTree>
     <p:extLst>
       <p:ext uri="{BB962C8B-B14F-4D97-AF65-F5344CB8AC3E}">
-        <p14:creationId xmlns:p14="http://schemas.microsoft.com/office/powerpoint/2010/main" xmlns="" val="1573384754"/>
+        <p14:creationId xmlns="" xmlns:p14="http://schemas.microsoft.com/office/powerpoint/2010/main" val="1573384754"/>
       </p:ext>
     </p:extLst>
   </p:cSld>
@@ -1424,7 +1424,7 @@
     </p:spTree>
     <p:extLst>
       <p:ext uri="{BB962C8B-B14F-4D97-AF65-F5344CB8AC3E}">
-        <p14:creationId xmlns:p14="http://schemas.microsoft.com/office/powerpoint/2010/main" xmlns="" val="4159202659"/>
+        <p14:creationId xmlns="" xmlns:p14="http://schemas.microsoft.com/office/powerpoint/2010/main" val="4159202659"/>
       </p:ext>
     </p:extLst>
   </p:cSld>
@@ -1514,7 +1514,7 @@
     </p:spTree>
     <p:extLst>
       <p:ext uri="{BB962C8B-B14F-4D97-AF65-F5344CB8AC3E}">
-        <p14:creationId xmlns:p14="http://schemas.microsoft.com/office/powerpoint/2010/main" xmlns="" val="3658401970"/>
+        <p14:creationId xmlns="" xmlns:p14="http://schemas.microsoft.com/office/powerpoint/2010/main" val="3658401970"/>
       </p:ext>
     </p:extLst>
   </p:cSld>
@@ -1578,7 +1578,7 @@
           <a:effectLst/>
           <a:extLst>
             <a:ext uri="{91240B29-F687-4F45-9708-019B960494DF}">
-              <a14:hiddenLine xmlns:a14="http://schemas.microsoft.com/office/drawing/2010/main" xmlns="" w="127">
+              <a14:hiddenLine xmlns="" xmlns:a14="http://schemas.microsoft.com/office/drawing/2010/main" w="127">
                 <a:solidFill>
                   <a:srgbClr val="000000"/>
                 </a:solidFill>
@@ -1588,7 +1588,7 @@
               </a14:hiddenLine>
             </a:ext>
             <a:ext uri="{AF507438-7753-43E0-B8FC-AC1667EBCBE1}">
-              <a14:hiddenEffects xmlns:a14="http://schemas.microsoft.com/office/drawing/2010/main" xmlns="">
+              <a14:hiddenEffects xmlns="" xmlns:a14="http://schemas.microsoft.com/office/drawing/2010/main">
                 <a:effectLst>
                   <a:outerShdw dist="35921" dir="2700000" algn="ctr" rotWithShape="0">
                     <a:schemeClr val="bg2"/>
@@ -1729,7 +1729,7 @@
           <a:effectLst/>
           <a:extLst>
             <a:ext uri="{91240B29-F687-4F45-9708-019B960494DF}">
-              <a14:hiddenLine xmlns:a14="http://schemas.microsoft.com/office/drawing/2010/main" xmlns="" w="127">
+              <a14:hiddenLine xmlns="" xmlns:a14="http://schemas.microsoft.com/office/drawing/2010/main" w="127">
                 <a:solidFill>
                   <a:srgbClr val="000000"/>
                 </a:solidFill>
@@ -1739,7 +1739,7 @@
               </a14:hiddenLine>
             </a:ext>
             <a:ext uri="{AF507438-7753-43E0-B8FC-AC1667EBCBE1}">
-              <a14:hiddenEffects xmlns:a14="http://schemas.microsoft.com/office/drawing/2010/main" xmlns="">
+              <a14:hiddenEffects xmlns="" xmlns:a14="http://schemas.microsoft.com/office/drawing/2010/main">
                 <a:effectLst>
                   <a:outerShdw dist="35921" dir="2700000" algn="ctr" rotWithShape="0">
                     <a:schemeClr val="bg2"/>
@@ -1970,7 +1970,7 @@
     </p:spTree>
     <p:extLst>
       <p:ext uri="{BB962C8B-B14F-4D97-AF65-F5344CB8AC3E}">
-        <p14:creationId xmlns:p14="http://schemas.microsoft.com/office/powerpoint/2010/main" xmlns="" val="222181993"/>
+        <p14:creationId xmlns="" xmlns:p14="http://schemas.microsoft.com/office/powerpoint/2010/main" val="222181993"/>
       </p:ext>
     </p:extLst>
   </p:cSld>
@@ -2110,7 +2110,7 @@
     </p:spTree>
     <p:extLst>
       <p:ext uri="{BB962C8B-B14F-4D97-AF65-F5344CB8AC3E}">
-        <p14:creationId xmlns:p14="http://schemas.microsoft.com/office/powerpoint/2010/main" xmlns="" val="2889292615"/>
+        <p14:creationId xmlns="" xmlns:p14="http://schemas.microsoft.com/office/powerpoint/2010/main" val="2889292615"/>
       </p:ext>
     </p:extLst>
   </p:cSld>
@@ -2260,7 +2260,7 @@
     </p:spTree>
     <p:extLst>
       <p:ext uri="{BB962C8B-B14F-4D97-AF65-F5344CB8AC3E}">
-        <p14:creationId xmlns:p14="http://schemas.microsoft.com/office/powerpoint/2010/main" xmlns="" val="826543229"/>
+        <p14:creationId xmlns="" xmlns:p14="http://schemas.microsoft.com/office/powerpoint/2010/main" val="826543229"/>
       </p:ext>
     </p:extLst>
   </p:cSld>
@@ -2400,7 +2400,7 @@
     </p:spTree>
     <p:extLst>
       <p:ext uri="{BB962C8B-B14F-4D97-AF65-F5344CB8AC3E}">
-        <p14:creationId xmlns:p14="http://schemas.microsoft.com/office/powerpoint/2010/main" xmlns="" val="1385358487"/>
+        <p14:creationId xmlns="" xmlns:p14="http://schemas.microsoft.com/office/powerpoint/2010/main" val="1385358487"/>
       </p:ext>
     </p:extLst>
   </p:cSld>
@@ -2562,7 +2562,7 @@
     </p:spTree>
     <p:extLst>
       <p:ext uri="{BB962C8B-B14F-4D97-AF65-F5344CB8AC3E}">
-        <p14:creationId xmlns:p14="http://schemas.microsoft.com/office/powerpoint/2010/main" xmlns="" val="3777516386"/>
+        <p14:creationId xmlns="" xmlns:p14="http://schemas.microsoft.com/office/powerpoint/2010/main" val="3777516386"/>
       </p:ext>
     </p:extLst>
   </p:cSld>
@@ -2820,7 +2820,7 @@
     </p:spTree>
     <p:extLst>
       <p:ext uri="{BB962C8B-B14F-4D97-AF65-F5344CB8AC3E}">
-        <p14:creationId xmlns:p14="http://schemas.microsoft.com/office/powerpoint/2010/main" xmlns="" val="2426564771"/>
+        <p14:creationId xmlns="" xmlns:p14="http://schemas.microsoft.com/office/powerpoint/2010/main" val="2426564771"/>
       </p:ext>
     </p:extLst>
   </p:cSld>
@@ -3217,7 +3217,7 @@
     </p:spTree>
     <p:extLst>
       <p:ext uri="{BB962C8B-B14F-4D97-AF65-F5344CB8AC3E}">
-        <p14:creationId xmlns:p14="http://schemas.microsoft.com/office/powerpoint/2010/main" xmlns="" val="2736834636"/>
+        <p14:creationId xmlns="" xmlns:p14="http://schemas.microsoft.com/office/powerpoint/2010/main" val="2736834636"/>
       </p:ext>
     </p:extLst>
   </p:cSld>
@@ -3305,7 +3305,7 @@
     </p:spTree>
     <p:extLst>
       <p:ext uri="{BB962C8B-B14F-4D97-AF65-F5344CB8AC3E}">
-        <p14:creationId xmlns:p14="http://schemas.microsoft.com/office/powerpoint/2010/main" xmlns="" val="435496785"/>
+        <p14:creationId xmlns="" xmlns:p14="http://schemas.microsoft.com/office/powerpoint/2010/main" val="435496785"/>
       </p:ext>
     </p:extLst>
   </p:cSld>
@@ -3370,7 +3370,7 @@
     </p:spTree>
     <p:extLst>
       <p:ext uri="{BB962C8B-B14F-4D97-AF65-F5344CB8AC3E}">
-        <p14:creationId xmlns:p14="http://schemas.microsoft.com/office/powerpoint/2010/main" xmlns="" val="4201488709"/>
+        <p14:creationId xmlns="" xmlns:p14="http://schemas.microsoft.com/office/powerpoint/2010/main" val="4201488709"/>
       </p:ext>
     </p:extLst>
   </p:cSld>
@@ -3617,7 +3617,7 @@
     </p:spTree>
     <p:extLst>
       <p:ext uri="{BB962C8B-B14F-4D97-AF65-F5344CB8AC3E}">
-        <p14:creationId xmlns:p14="http://schemas.microsoft.com/office/powerpoint/2010/main" xmlns="" val="845172363"/>
+        <p14:creationId xmlns="" xmlns:p14="http://schemas.microsoft.com/office/powerpoint/2010/main" val="845172363"/>
       </p:ext>
     </p:extLst>
   </p:cSld>
@@ -3841,7 +3841,7 @@
     </p:spTree>
     <p:extLst>
       <p:ext uri="{BB962C8B-B14F-4D97-AF65-F5344CB8AC3E}">
-        <p14:creationId xmlns:p14="http://schemas.microsoft.com/office/powerpoint/2010/main" xmlns="" val="2443635106"/>
+        <p14:creationId xmlns="" xmlns:p14="http://schemas.microsoft.com/office/powerpoint/2010/main" val="2443635106"/>
       </p:ext>
     </p:extLst>
   </p:cSld>
@@ -3905,14 +3905,14 @@
           <a:effectLst/>
           <a:extLst>
             <a:ext uri="{909E8E84-426E-40DD-AFC4-6F175D3DCCD1}">
-              <a14:hiddenFill xmlns:a14="http://schemas.microsoft.com/office/drawing/2010/main" xmlns="">
+              <a14:hiddenFill xmlns="" xmlns:a14="http://schemas.microsoft.com/office/drawing/2010/main">
                 <a:solidFill>
                   <a:schemeClr val="accent1"/>
                 </a:solidFill>
               </a14:hiddenFill>
             </a:ext>
             <a:ext uri="{91240B29-F687-4F45-9708-019B960494DF}">
-              <a14:hiddenLine xmlns:a14="http://schemas.microsoft.com/office/drawing/2010/main" xmlns="" w="9525">
+              <a14:hiddenLine xmlns="" xmlns:a14="http://schemas.microsoft.com/office/drawing/2010/main" w="9525">
                 <a:solidFill>
                   <a:schemeClr val="tx1"/>
                 </a:solidFill>
@@ -3922,7 +3922,7 @@
               </a14:hiddenLine>
             </a:ext>
             <a:ext uri="{AF507438-7753-43E0-B8FC-AC1667EBCBE1}">
-              <a14:hiddenEffects xmlns:a14="http://schemas.microsoft.com/office/drawing/2010/main" xmlns="">
+              <a14:hiddenEffects xmlns="" xmlns:a14="http://schemas.microsoft.com/office/drawing/2010/main">
                 <a:effectLst>
                   <a:outerShdw dist="35921" dir="2700000" algn="ctr" rotWithShape="0">
                     <a:schemeClr val="bg2"/>
@@ -3973,14 +3973,14 @@
           <a:effectLst/>
           <a:extLst>
             <a:ext uri="{909E8E84-426E-40DD-AFC4-6F175D3DCCD1}">
-              <a14:hiddenFill xmlns:a14="http://schemas.microsoft.com/office/drawing/2010/main" xmlns="">
+              <a14:hiddenFill xmlns="" xmlns:a14="http://schemas.microsoft.com/office/drawing/2010/main">
                 <a:solidFill>
                   <a:schemeClr val="accent1"/>
                 </a:solidFill>
               </a14:hiddenFill>
             </a:ext>
             <a:ext uri="{91240B29-F687-4F45-9708-019B960494DF}">
-              <a14:hiddenLine xmlns:a14="http://schemas.microsoft.com/office/drawing/2010/main" xmlns="" w="9525">
+              <a14:hiddenLine xmlns="" xmlns:a14="http://schemas.microsoft.com/office/drawing/2010/main" w="9525">
                 <a:solidFill>
                   <a:schemeClr val="tx1"/>
                 </a:solidFill>
@@ -3990,7 +3990,7 @@
               </a14:hiddenLine>
             </a:ext>
             <a:ext uri="{AF507438-7753-43E0-B8FC-AC1667EBCBE1}">
-              <a14:hiddenEffects xmlns:a14="http://schemas.microsoft.com/office/drawing/2010/main" xmlns="">
+              <a14:hiddenEffects xmlns="" xmlns:a14="http://schemas.microsoft.com/office/drawing/2010/main">
                 <a:effectLst>
                   <a:outerShdw dist="35921" dir="2700000" algn="ctr" rotWithShape="0">
                     <a:schemeClr val="bg2"/>
@@ -4069,14 +4069,14 @@
           <a:effectLst/>
           <a:extLst>
             <a:ext uri="{909E8E84-426E-40DD-AFC4-6F175D3DCCD1}">
-              <a14:hiddenFill xmlns:a14="http://schemas.microsoft.com/office/drawing/2010/main" xmlns="">
+              <a14:hiddenFill xmlns="" xmlns:a14="http://schemas.microsoft.com/office/drawing/2010/main">
                 <a:solidFill>
                   <a:schemeClr val="accent1"/>
                 </a:solidFill>
               </a14:hiddenFill>
             </a:ext>
             <a:ext uri="{91240B29-F687-4F45-9708-019B960494DF}">
-              <a14:hiddenLine xmlns:a14="http://schemas.microsoft.com/office/drawing/2010/main" xmlns="" w="9525">
+              <a14:hiddenLine xmlns="" xmlns:a14="http://schemas.microsoft.com/office/drawing/2010/main" w="9525">
                 <a:solidFill>
                   <a:schemeClr val="tx1"/>
                 </a:solidFill>
@@ -4086,7 +4086,7 @@
               </a14:hiddenLine>
             </a:ext>
             <a:ext uri="{AF507438-7753-43E0-B8FC-AC1667EBCBE1}">
-              <a14:hiddenEffects xmlns:a14="http://schemas.microsoft.com/office/drawing/2010/main" xmlns="">
+              <a14:hiddenEffects xmlns="" xmlns:a14="http://schemas.microsoft.com/office/drawing/2010/main">
                 <a:effectLst>
                   <a:outerShdw dist="35921" dir="2700000" algn="ctr" rotWithShape="0">
                     <a:schemeClr val="bg2"/>
@@ -4554,11 +4554,7 @@
             </a:br>
             <a:r>
               <a:rPr lang="en-US" altLang="en-US" sz="3200" dirty="0" smtClean="0"/>
-              <a:t>Laser </a:t>
-            </a:r>
-            <a:r>
-              <a:rPr lang="en-US" altLang="en-US" sz="3200" dirty="0" smtClean="0"/>
-              <a:t>Annealed </a:t>
+              <a:t>Laser Annealed </a:t>
             </a:r>
             <a:r>
               <a:rPr lang="en-US" altLang="en-US" sz="3200" dirty="0" err="1" smtClean="0"/>
@@ -4568,7 +4564,6 @@
               <a:rPr lang="en-US" altLang="en-US" sz="3200" dirty="0" smtClean="0"/>
               <a:t> on Plastic </a:t>
             </a:r>
-            <a:endParaRPr lang="en-US" altLang="en-US" sz="3200" dirty="0" smtClean="0"/>
           </a:p>
         </p:txBody>
       </p:sp>
@@ -4623,14 +4618,14 @@
           <a:effectLst/>
           <a:extLst>
             <a:ext uri="{909E8E84-426E-40DD-AFC4-6F175D3DCCD1}">
-              <a14:hiddenFill xmlns:a14="http://schemas.microsoft.com/office/drawing/2010/main" xmlns="">
+              <a14:hiddenFill xmlns="" xmlns:a14="http://schemas.microsoft.com/office/drawing/2010/main">
                 <a:solidFill>
                   <a:schemeClr val="accent1"/>
                 </a:solidFill>
               </a14:hiddenFill>
             </a:ext>
             <a:ext uri="{91240B29-F687-4F45-9708-019B960494DF}">
-              <a14:hiddenLine xmlns:a14="http://schemas.microsoft.com/office/drawing/2010/main" xmlns="" w="127">
+              <a14:hiddenLine xmlns="" xmlns:a14="http://schemas.microsoft.com/office/drawing/2010/main" w="127">
                 <a:solidFill>
                   <a:schemeClr val="tx1"/>
                 </a:solidFill>
@@ -4640,7 +4635,7 @@
               </a14:hiddenLine>
             </a:ext>
             <a:ext uri="{AF507438-7753-43E0-B8FC-AC1667EBCBE1}">
-              <a14:hiddenEffects xmlns:a14="http://schemas.microsoft.com/office/drawing/2010/main" xmlns="">
+              <a14:hiddenEffects xmlns="" xmlns:a14="http://schemas.microsoft.com/office/drawing/2010/main">
                 <a:effectLst>
                   <a:outerShdw dist="35921" dir="2700000" algn="ctr" rotWithShape="0">
                     <a:schemeClr val="bg2"/>
@@ -4861,7 +4856,7 @@
           <p:nvPr>
             <p:extLst>
               <p:ext uri="{D42A27DB-BD31-4B8C-83A1-F6EECF244321}">
-                <p14:modId xmlns:p14="http://schemas.microsoft.com/office/powerpoint/2010/main" xmlns="" val="3174850402"/>
+                <p14:modId xmlns="" xmlns:p14="http://schemas.microsoft.com/office/powerpoint/2010/main" val="3174850402"/>
               </p:ext>
             </p:extLst>
           </p:nvPr>
@@ -5434,14 +5429,14 @@
           <a:effectLst/>
           <a:extLst>
             <a:ext uri="{909E8E84-426E-40DD-AFC4-6F175D3DCCD1}">
-              <a14:hiddenFill xmlns:a14="http://schemas.microsoft.com/office/drawing/2010/main" xmlns="">
+              <a14:hiddenFill xmlns="" xmlns:a14="http://schemas.microsoft.com/office/drawing/2010/main">
                 <a:solidFill>
                   <a:schemeClr val="accent1"/>
                 </a:solidFill>
               </a14:hiddenFill>
             </a:ext>
             <a:ext uri="{91240B29-F687-4F45-9708-019B960494DF}">
-              <a14:hiddenLine xmlns:a14="http://schemas.microsoft.com/office/drawing/2010/main" xmlns="" w="9525">
+              <a14:hiddenLine xmlns="" xmlns:a14="http://schemas.microsoft.com/office/drawing/2010/main" w="9525">
                 <a:solidFill>
                   <a:schemeClr val="tx1"/>
                 </a:solidFill>
@@ -5451,7 +5446,7 @@
               </a14:hiddenLine>
             </a:ext>
             <a:ext uri="{AF507438-7753-43E0-B8FC-AC1667EBCBE1}">
-              <a14:hiddenEffects xmlns:a14="http://schemas.microsoft.com/office/drawing/2010/main" xmlns="">
+              <a14:hiddenEffects xmlns="" xmlns:a14="http://schemas.microsoft.com/office/drawing/2010/main">
                 <a:effectLst>
                   <a:outerShdw dist="35921" dir="2700000" algn="ctr" rotWithShape="0">
                     <a:schemeClr val="bg2"/>
@@ -6235,14 +6230,14 @@
           <a:effectLst/>
           <a:extLst>
             <a:ext uri="{909E8E84-426E-40DD-AFC4-6F175D3DCCD1}">
-              <a14:hiddenFill xmlns:a14="http://schemas.microsoft.com/office/drawing/2010/main" xmlns="">
+              <a14:hiddenFill xmlns="" xmlns:a14="http://schemas.microsoft.com/office/drawing/2010/main">
                 <a:solidFill>
                   <a:schemeClr val="accent1"/>
                 </a:solidFill>
               </a14:hiddenFill>
             </a:ext>
             <a:ext uri="{91240B29-F687-4F45-9708-019B960494DF}">
-              <a14:hiddenLine xmlns:a14="http://schemas.microsoft.com/office/drawing/2010/main" xmlns="" w="9525">
+              <a14:hiddenLine xmlns="" xmlns:a14="http://schemas.microsoft.com/office/drawing/2010/main" w="9525">
                 <a:solidFill>
                   <a:schemeClr val="tx1"/>
                 </a:solidFill>
@@ -6252,7 +6247,7 @@
               </a14:hiddenLine>
             </a:ext>
             <a:ext uri="{AF507438-7753-43E0-B8FC-AC1667EBCBE1}">
-              <a14:hiddenEffects xmlns:a14="http://schemas.microsoft.com/office/drawing/2010/main" xmlns="">
+              <a14:hiddenEffects xmlns="" xmlns:a14="http://schemas.microsoft.com/office/drawing/2010/main">
                 <a:effectLst>
                   <a:outerShdw dist="35921" dir="2700000" algn="ctr" rotWithShape="0">
                     <a:schemeClr val="bg2"/>
@@ -7096,7 +7091,7 @@
     </p:spTree>
     <p:extLst>
       <p:ext uri="{BB962C8B-B14F-4D97-AF65-F5344CB8AC3E}">
-        <p14:creationId xmlns:p14="http://schemas.microsoft.com/office/powerpoint/2010/main" xmlns="" val="1704458917"/>
+        <p14:creationId xmlns="" xmlns:p14="http://schemas.microsoft.com/office/powerpoint/2010/main" val="1704458917"/>
       </p:ext>
     </p:extLst>
   </p:cSld>
@@ -7225,7 +7220,7 @@
     </p:spTree>
     <p:extLst>
       <p:ext uri="{BB962C8B-B14F-4D97-AF65-F5344CB8AC3E}">
-        <p14:creationId xmlns:p14="http://schemas.microsoft.com/office/powerpoint/2010/main" xmlns="" val="1617063384"/>
+        <p14:creationId xmlns="" xmlns:p14="http://schemas.microsoft.com/office/powerpoint/2010/main" val="1617063384"/>
       </p:ext>
     </p:extLst>
   </p:cSld>
@@ -8000,7 +7995,7 @@
           <a:blip r:embed="rId2" cstate="print">
             <a:extLst>
               <a:ext uri="{28A0092B-C50C-407E-A947-70E740481C1C}">
-                <a14:useLocalDpi xmlns:a14="http://schemas.microsoft.com/office/drawing/2010/main" xmlns="" val="0"/>
+                <a14:useLocalDpi xmlns="" xmlns:a14="http://schemas.microsoft.com/office/drawing/2010/main" val="0"/>
               </a:ext>
             </a:extLst>
           </a:blip>
@@ -8023,14 +8018,14 @@
           </a:ln>
           <a:extLst>
             <a:ext uri="{909E8E84-426E-40DD-AFC4-6F175D3DCCD1}">
-              <a14:hiddenFill xmlns:a14="http://schemas.microsoft.com/office/drawing/2010/main" xmlns="">
+              <a14:hiddenFill xmlns="" xmlns:a14="http://schemas.microsoft.com/office/drawing/2010/main">
                 <a:solidFill>
                   <a:schemeClr val="accent1"/>
                 </a:solidFill>
               </a14:hiddenFill>
             </a:ext>
             <a:ext uri="{91240B29-F687-4F45-9708-019B960494DF}">
-              <a14:hiddenLine xmlns:a14="http://schemas.microsoft.com/office/drawing/2010/main" xmlns="" w="9525">
+              <a14:hiddenLine xmlns="" xmlns:a14="http://schemas.microsoft.com/office/drawing/2010/main" w="9525">
                 <a:solidFill>
                   <a:schemeClr val="tx1"/>
                 </a:solidFill>
@@ -8054,7 +8049,7 @@
           <a:blip r:embed="rId3" cstate="print">
             <a:extLst>
               <a:ext uri="{28A0092B-C50C-407E-A947-70E740481C1C}">
-                <a14:useLocalDpi xmlns:a14="http://schemas.microsoft.com/office/drawing/2010/main" xmlns="" val="0"/>
+                <a14:useLocalDpi xmlns="" xmlns:a14="http://schemas.microsoft.com/office/drawing/2010/main" val="0"/>
               </a:ext>
             </a:extLst>
           </a:blip>
@@ -8077,14 +8072,14 @@
           </a:ln>
           <a:extLst>
             <a:ext uri="{909E8E84-426E-40DD-AFC4-6F175D3DCCD1}">
-              <a14:hiddenFill xmlns:a14="http://schemas.microsoft.com/office/drawing/2010/main" xmlns="">
+              <a14:hiddenFill xmlns="" xmlns:a14="http://schemas.microsoft.com/office/drawing/2010/main">
                 <a:solidFill>
                   <a:schemeClr val="accent1"/>
                 </a:solidFill>
               </a14:hiddenFill>
             </a:ext>
             <a:ext uri="{91240B29-F687-4F45-9708-019B960494DF}">
-              <a14:hiddenLine xmlns:a14="http://schemas.microsoft.com/office/drawing/2010/main" xmlns="" w="9525">
+              <a14:hiddenLine xmlns="" xmlns:a14="http://schemas.microsoft.com/office/drawing/2010/main" w="9525">
                 <a:solidFill>
                   <a:schemeClr val="tx1"/>
                 </a:solidFill>
@@ -8129,7 +8124,7 @@
     </p:spTree>
     <p:extLst>
       <p:ext uri="{BB962C8B-B14F-4D97-AF65-F5344CB8AC3E}">
-        <p14:creationId xmlns:p14="http://schemas.microsoft.com/office/powerpoint/2010/main" xmlns="" val="2991896681"/>
+        <p14:creationId xmlns="" xmlns:p14="http://schemas.microsoft.com/office/powerpoint/2010/main" val="2991896681"/>
       </p:ext>
     </p:extLst>
   </p:cSld>
@@ -8232,7 +8227,7 @@
           <a:blip r:embed="rId2" cstate="print">
             <a:extLst>
               <a:ext uri="{28A0092B-C50C-407E-A947-70E740481C1C}">
-                <a14:useLocalDpi xmlns:a14="http://schemas.microsoft.com/office/drawing/2010/main" xmlns="" val="0"/>
+                <a14:useLocalDpi xmlns="" xmlns:a14="http://schemas.microsoft.com/office/drawing/2010/main" val="0"/>
               </a:ext>
             </a:extLst>
           </a:blip>
@@ -8252,7 +8247,7 @@
           <a:noFill/>
           <a:extLst>
             <a:ext uri="{909E8E84-426E-40DD-AFC4-6F175D3DCCD1}">
-              <a14:hiddenFill xmlns:a14="http://schemas.microsoft.com/office/drawing/2010/main" xmlns="">
+              <a14:hiddenFill xmlns="" xmlns:a14="http://schemas.microsoft.com/office/drawing/2010/main">
                 <a:solidFill>
                   <a:srgbClr val="FFFFFF"/>
                 </a:solidFill>
@@ -8273,7 +8268,7 @@
           <a:blip r:embed="rId3" cstate="print">
             <a:extLst>
               <a:ext uri="{28A0092B-C50C-407E-A947-70E740481C1C}">
-                <a14:useLocalDpi xmlns:a14="http://schemas.microsoft.com/office/drawing/2010/main" xmlns="" val="0"/>
+                <a14:useLocalDpi xmlns="" xmlns:a14="http://schemas.microsoft.com/office/drawing/2010/main" val="0"/>
               </a:ext>
             </a:extLst>
           </a:blip>
@@ -8296,14 +8291,14 @@
           </a:ln>
           <a:extLst>
             <a:ext uri="{909E8E84-426E-40DD-AFC4-6F175D3DCCD1}">
-              <a14:hiddenFill xmlns:a14="http://schemas.microsoft.com/office/drawing/2010/main" xmlns="">
+              <a14:hiddenFill xmlns="" xmlns:a14="http://schemas.microsoft.com/office/drawing/2010/main">
                 <a:solidFill>
                   <a:schemeClr val="accent1"/>
                 </a:solidFill>
               </a14:hiddenFill>
             </a:ext>
             <a:ext uri="{91240B29-F687-4F45-9708-019B960494DF}">
-              <a14:hiddenLine xmlns:a14="http://schemas.microsoft.com/office/drawing/2010/main" xmlns="" w="9525">
+              <a14:hiddenLine xmlns="" xmlns:a14="http://schemas.microsoft.com/office/drawing/2010/main" w="9525">
                 <a:solidFill>
                   <a:schemeClr val="tx1"/>
                 </a:solidFill>
@@ -8327,7 +8322,7 @@
           <a:blip r:embed="rId4" cstate="print">
             <a:extLst>
               <a:ext uri="{28A0092B-C50C-407E-A947-70E740481C1C}">
-                <a14:useLocalDpi xmlns:a14="http://schemas.microsoft.com/office/drawing/2010/main" xmlns="" val="0"/>
+                <a14:useLocalDpi xmlns="" xmlns:a14="http://schemas.microsoft.com/office/drawing/2010/main" val="0"/>
               </a:ext>
             </a:extLst>
           </a:blip>
@@ -8350,14 +8345,14 @@
           </a:ln>
           <a:extLst>
             <a:ext uri="{909E8E84-426E-40DD-AFC4-6F175D3DCCD1}">
-              <a14:hiddenFill xmlns:a14="http://schemas.microsoft.com/office/drawing/2010/main" xmlns="">
+              <a14:hiddenFill xmlns="" xmlns:a14="http://schemas.microsoft.com/office/drawing/2010/main">
                 <a:solidFill>
                   <a:schemeClr val="accent1"/>
                 </a:solidFill>
               </a14:hiddenFill>
             </a:ext>
             <a:ext uri="{91240B29-F687-4F45-9708-019B960494DF}">
-              <a14:hiddenLine xmlns:a14="http://schemas.microsoft.com/office/drawing/2010/main" xmlns="" w="9525">
+              <a14:hiddenLine xmlns="" xmlns:a14="http://schemas.microsoft.com/office/drawing/2010/main" w="9525">
                 <a:solidFill>
                   <a:schemeClr val="tx1"/>
                 </a:solidFill>
@@ -9136,7 +9131,7 @@
     </p:spTree>
     <p:extLst>
       <p:ext uri="{BB962C8B-B14F-4D97-AF65-F5344CB8AC3E}">
-        <p14:creationId xmlns:p14="http://schemas.microsoft.com/office/powerpoint/2010/main" xmlns="" val="438646748"/>
+        <p14:creationId xmlns="" xmlns:p14="http://schemas.microsoft.com/office/powerpoint/2010/main" val="438646748"/>
       </p:ext>
     </p:extLst>
   </p:cSld>
@@ -9241,7 +9236,7 @@
     </p:spTree>
     <p:extLst>
       <p:ext uri="{BB962C8B-B14F-4D97-AF65-F5344CB8AC3E}">
-        <p14:creationId xmlns:p14="http://schemas.microsoft.com/office/powerpoint/2010/main" xmlns="" val="24859684"/>
+        <p14:creationId xmlns="" xmlns:p14="http://schemas.microsoft.com/office/powerpoint/2010/main" val="24859684"/>
       </p:ext>
     </p:extLst>
   </p:cSld>
@@ -9332,7 +9327,7 @@
           <a:blip r:embed="rId2" cstate="print">
             <a:extLst>
               <a:ext uri="{28A0092B-C50C-407E-A947-70E740481C1C}">
-                <a14:useLocalDpi xmlns:a14="http://schemas.microsoft.com/office/drawing/2010/main" xmlns="" val="0"/>
+                <a14:useLocalDpi xmlns="" xmlns:a14="http://schemas.microsoft.com/office/drawing/2010/main" val="0"/>
               </a:ext>
             </a:extLst>
           </a:blip>
@@ -9352,7 +9347,7 @@
           <a:noFill/>
           <a:extLst>
             <a:ext uri="{909E8E84-426E-40DD-AFC4-6F175D3DCCD1}">
-              <a14:hiddenFill xmlns:a14="http://schemas.microsoft.com/office/drawing/2010/main" xmlns="">
+              <a14:hiddenFill xmlns="" xmlns:a14="http://schemas.microsoft.com/office/drawing/2010/main">
                 <a:solidFill>
                   <a:srgbClr val="FFFFFF"/>
                 </a:solidFill>
@@ -9373,7 +9368,7 @@
           <a:blip r:embed="rId3" cstate="print">
             <a:extLst>
               <a:ext uri="{28A0092B-C50C-407E-A947-70E740481C1C}">
-                <a14:useLocalDpi xmlns:a14="http://schemas.microsoft.com/office/drawing/2010/main" xmlns="" val="0"/>
+                <a14:useLocalDpi xmlns="" xmlns:a14="http://schemas.microsoft.com/office/drawing/2010/main" val="0"/>
               </a:ext>
             </a:extLst>
           </a:blip>
@@ -9393,7 +9388,7 @@
           <a:noFill/>
           <a:extLst>
             <a:ext uri="{909E8E84-426E-40DD-AFC4-6F175D3DCCD1}">
-              <a14:hiddenFill xmlns:a14="http://schemas.microsoft.com/office/drawing/2010/main" xmlns="">
+              <a14:hiddenFill xmlns="" xmlns:a14="http://schemas.microsoft.com/office/drawing/2010/main">
                 <a:solidFill>
                   <a:srgbClr val="FFFFFF"/>
                 </a:solidFill>
@@ -9414,7 +9409,7 @@
           <a:blip r:embed="rId4" cstate="print">
             <a:extLst>
               <a:ext uri="{28A0092B-C50C-407E-A947-70E740481C1C}">
-                <a14:useLocalDpi xmlns:a14="http://schemas.microsoft.com/office/drawing/2010/main" xmlns="" val="0"/>
+                <a14:useLocalDpi xmlns="" xmlns:a14="http://schemas.microsoft.com/office/drawing/2010/main" val="0"/>
               </a:ext>
             </a:extLst>
           </a:blip>
@@ -9434,7 +9429,7 @@
           <a:noFill/>
           <a:extLst>
             <a:ext uri="{909E8E84-426E-40DD-AFC4-6F175D3DCCD1}">
-              <a14:hiddenFill xmlns:a14="http://schemas.microsoft.com/office/drawing/2010/main" xmlns="">
+              <a14:hiddenFill xmlns="" xmlns:a14="http://schemas.microsoft.com/office/drawing/2010/main">
                 <a:solidFill>
                   <a:srgbClr val="FFFFFF"/>
                 </a:solidFill>
@@ -9514,7 +9509,7 @@
           <a:blip r:embed="rId5" cstate="print">
             <a:extLst>
               <a:ext uri="{28A0092B-C50C-407E-A947-70E740481C1C}">
-                <a14:useLocalDpi xmlns:a14="http://schemas.microsoft.com/office/drawing/2010/main" xmlns="" val="0"/>
+                <a14:useLocalDpi xmlns="" xmlns:a14="http://schemas.microsoft.com/office/drawing/2010/main" val="0"/>
               </a:ext>
             </a:extLst>
           </a:blip>
@@ -9534,7 +9529,7 @@
           <a:noFill/>
           <a:extLst>
             <a:ext uri="{909E8E84-426E-40DD-AFC4-6F175D3DCCD1}">
-              <a14:hiddenFill xmlns:a14="http://schemas.microsoft.com/office/drawing/2010/main" xmlns="">
+              <a14:hiddenFill xmlns="" xmlns:a14="http://schemas.microsoft.com/office/drawing/2010/main">
                 <a:solidFill>
                   <a:srgbClr val="FFFFFF"/>
                 </a:solidFill>
@@ -9720,7 +9715,7 @@
     </p:spTree>
     <p:extLst>
       <p:ext uri="{BB962C8B-B14F-4D97-AF65-F5344CB8AC3E}">
-        <p14:creationId xmlns:p14="http://schemas.microsoft.com/office/powerpoint/2010/main" xmlns="" val="209369303"/>
+        <p14:creationId xmlns="" xmlns:p14="http://schemas.microsoft.com/office/powerpoint/2010/main" val="209369303"/>
       </p:ext>
     </p:extLst>
   </p:cSld>
@@ -9818,7 +9813,7 @@
           <a:blip r:embed="rId2" cstate="print">
             <a:extLst>
               <a:ext uri="{28A0092B-C50C-407E-A947-70E740481C1C}">
-                <a14:useLocalDpi xmlns:a14="http://schemas.microsoft.com/office/drawing/2010/main" xmlns="" val="0"/>
+                <a14:useLocalDpi xmlns="" xmlns:a14="http://schemas.microsoft.com/office/drawing/2010/main" val="0"/>
               </a:ext>
             </a:extLst>
           </a:blip>
@@ -9841,14 +9836,14 @@
           </a:ln>
           <a:extLst>
             <a:ext uri="{909E8E84-426E-40DD-AFC4-6F175D3DCCD1}">
-              <a14:hiddenFill xmlns:a14="http://schemas.microsoft.com/office/drawing/2010/main" xmlns="">
+              <a14:hiddenFill xmlns="" xmlns:a14="http://schemas.microsoft.com/office/drawing/2010/main">
                 <a:solidFill>
                   <a:schemeClr val="accent1"/>
                 </a:solidFill>
               </a14:hiddenFill>
             </a:ext>
             <a:ext uri="{91240B29-F687-4F45-9708-019B960494DF}">
-              <a14:hiddenLine xmlns:a14="http://schemas.microsoft.com/office/drawing/2010/main" xmlns="" w="9525">
+              <a14:hiddenLine xmlns="" xmlns:a14="http://schemas.microsoft.com/office/drawing/2010/main" w="9525">
                 <a:solidFill>
                   <a:schemeClr val="tx1"/>
                 </a:solidFill>
@@ -9872,7 +9867,7 @@
           <a:blip r:embed="rId3" cstate="print">
             <a:extLst>
               <a:ext uri="{28A0092B-C50C-407E-A947-70E740481C1C}">
-                <a14:useLocalDpi xmlns:a14="http://schemas.microsoft.com/office/drawing/2010/main" xmlns="" val="0"/>
+                <a14:useLocalDpi xmlns="" xmlns:a14="http://schemas.microsoft.com/office/drawing/2010/main" val="0"/>
               </a:ext>
             </a:extLst>
           </a:blip>
@@ -9895,14 +9890,14 @@
           </a:ln>
           <a:extLst>
             <a:ext uri="{909E8E84-426E-40DD-AFC4-6F175D3DCCD1}">
-              <a14:hiddenFill xmlns:a14="http://schemas.microsoft.com/office/drawing/2010/main" xmlns="">
+              <a14:hiddenFill xmlns="" xmlns:a14="http://schemas.microsoft.com/office/drawing/2010/main">
                 <a:solidFill>
                   <a:schemeClr val="accent1"/>
                 </a:solidFill>
               </a14:hiddenFill>
             </a:ext>
             <a:ext uri="{91240B29-F687-4F45-9708-019B960494DF}">
-              <a14:hiddenLine xmlns:a14="http://schemas.microsoft.com/office/drawing/2010/main" xmlns="" w="9525">
+              <a14:hiddenLine xmlns="" xmlns:a14="http://schemas.microsoft.com/office/drawing/2010/main" w="9525">
                 <a:solidFill>
                   <a:schemeClr val="tx1"/>
                 </a:solidFill>
@@ -9926,7 +9921,7 @@
           <a:blip r:embed="rId4" cstate="print">
             <a:extLst>
               <a:ext uri="{28A0092B-C50C-407E-A947-70E740481C1C}">
-                <a14:useLocalDpi xmlns:a14="http://schemas.microsoft.com/office/drawing/2010/main" xmlns="" val="0"/>
+                <a14:useLocalDpi xmlns="" xmlns:a14="http://schemas.microsoft.com/office/drawing/2010/main" val="0"/>
               </a:ext>
             </a:extLst>
           </a:blip>
@@ -9949,14 +9944,14 @@
           </a:ln>
           <a:extLst>
             <a:ext uri="{909E8E84-426E-40DD-AFC4-6F175D3DCCD1}">
-              <a14:hiddenFill xmlns:a14="http://schemas.microsoft.com/office/drawing/2010/main" xmlns="">
+              <a14:hiddenFill xmlns="" xmlns:a14="http://schemas.microsoft.com/office/drawing/2010/main">
                 <a:solidFill>
                   <a:schemeClr val="accent1"/>
                 </a:solidFill>
               </a14:hiddenFill>
             </a:ext>
             <a:ext uri="{91240B29-F687-4F45-9708-019B960494DF}">
-              <a14:hiddenLine xmlns:a14="http://schemas.microsoft.com/office/drawing/2010/main" xmlns="" w="9525">
+              <a14:hiddenLine xmlns="" xmlns:a14="http://schemas.microsoft.com/office/drawing/2010/main" w="9525">
                 <a:solidFill>
                   <a:schemeClr val="tx1"/>
                 </a:solidFill>
@@ -9980,7 +9975,7 @@
           <a:blip r:embed="rId5" cstate="print">
             <a:extLst>
               <a:ext uri="{28A0092B-C50C-407E-A947-70E740481C1C}">
-                <a14:useLocalDpi xmlns:a14="http://schemas.microsoft.com/office/drawing/2010/main" xmlns="" val="0"/>
+                <a14:useLocalDpi xmlns="" xmlns:a14="http://schemas.microsoft.com/office/drawing/2010/main" val="0"/>
               </a:ext>
             </a:extLst>
           </a:blip>
@@ -10003,14 +9998,14 @@
           </a:ln>
           <a:extLst>
             <a:ext uri="{909E8E84-426E-40DD-AFC4-6F175D3DCCD1}">
-              <a14:hiddenFill xmlns:a14="http://schemas.microsoft.com/office/drawing/2010/main" xmlns="">
+              <a14:hiddenFill xmlns="" xmlns:a14="http://schemas.microsoft.com/office/drawing/2010/main">
                 <a:solidFill>
                   <a:schemeClr val="accent1"/>
                 </a:solidFill>
               </a14:hiddenFill>
             </a:ext>
             <a:ext uri="{91240B29-F687-4F45-9708-019B960494DF}">
-              <a14:hiddenLine xmlns:a14="http://schemas.microsoft.com/office/drawing/2010/main" xmlns="" w="9525">
+              <a14:hiddenLine xmlns="" xmlns:a14="http://schemas.microsoft.com/office/drawing/2010/main" w="9525">
                 <a:solidFill>
                   <a:schemeClr val="tx1"/>
                 </a:solidFill>
@@ -10115,7 +10110,7 @@
     </p:spTree>
     <p:extLst>
       <p:ext uri="{BB962C8B-B14F-4D97-AF65-F5344CB8AC3E}">
-        <p14:creationId xmlns:p14="http://schemas.microsoft.com/office/powerpoint/2010/main" xmlns="" val="1264018979"/>
+        <p14:creationId xmlns="" xmlns:p14="http://schemas.microsoft.com/office/powerpoint/2010/main" val="1264018979"/>
       </p:ext>
     </p:extLst>
   </p:cSld>
@@ -10273,7 +10268,7 @@
           <a:blip r:embed="rId2" cstate="print">
             <a:extLst>
               <a:ext uri="{28A0092B-C50C-407E-A947-70E740481C1C}">
-                <a14:useLocalDpi xmlns:a14="http://schemas.microsoft.com/office/drawing/2010/main" xmlns="" val="0"/>
+                <a14:useLocalDpi xmlns="" xmlns:a14="http://schemas.microsoft.com/office/drawing/2010/main" val="0"/>
               </a:ext>
             </a:extLst>
           </a:blip>
@@ -10296,14 +10291,14 @@
           </a:ln>
           <a:extLst>
             <a:ext uri="{909E8E84-426E-40DD-AFC4-6F175D3DCCD1}">
-              <a14:hiddenFill xmlns:a14="http://schemas.microsoft.com/office/drawing/2010/main" xmlns="">
+              <a14:hiddenFill xmlns="" xmlns:a14="http://schemas.microsoft.com/office/drawing/2010/main">
                 <a:solidFill>
                   <a:schemeClr val="accent1"/>
                 </a:solidFill>
               </a14:hiddenFill>
             </a:ext>
             <a:ext uri="{91240B29-F687-4F45-9708-019B960494DF}">
-              <a14:hiddenLine xmlns:a14="http://schemas.microsoft.com/office/drawing/2010/main" xmlns="" w="9525">
+              <a14:hiddenLine xmlns="" xmlns:a14="http://schemas.microsoft.com/office/drawing/2010/main" w="9525">
                 <a:solidFill>
                   <a:schemeClr val="tx1"/>
                 </a:solidFill>
@@ -10318,7 +10313,7 @@
     </p:spTree>
     <p:extLst>
       <p:ext uri="{BB962C8B-B14F-4D97-AF65-F5344CB8AC3E}">
-        <p14:creationId xmlns:p14="http://schemas.microsoft.com/office/powerpoint/2010/main" xmlns="" val="416688581"/>
+        <p14:creationId xmlns="" xmlns:p14="http://schemas.microsoft.com/office/powerpoint/2010/main" val="416688581"/>
       </p:ext>
     </p:extLst>
   </p:cSld>
@@ -10417,7 +10412,7 @@
           <a:blip r:embed="rId2" cstate="print">
             <a:extLst>
               <a:ext uri="{28A0092B-C50C-407E-A947-70E740481C1C}">
-                <a14:useLocalDpi xmlns:a14="http://schemas.microsoft.com/office/drawing/2010/main" xmlns="" val="0"/>
+                <a14:useLocalDpi xmlns="" xmlns:a14="http://schemas.microsoft.com/office/drawing/2010/main" val="0"/>
               </a:ext>
             </a:extLst>
           </a:blip>
@@ -10440,14 +10435,14 @@
           </a:ln>
           <a:extLst>
             <a:ext uri="{909E8E84-426E-40DD-AFC4-6F175D3DCCD1}">
-              <a14:hiddenFill xmlns:a14="http://schemas.microsoft.com/office/drawing/2010/main" xmlns="">
+              <a14:hiddenFill xmlns="" xmlns:a14="http://schemas.microsoft.com/office/drawing/2010/main">
                 <a:solidFill>
                   <a:schemeClr val="accent1"/>
                 </a:solidFill>
               </a14:hiddenFill>
             </a:ext>
             <a:ext uri="{91240B29-F687-4F45-9708-019B960494DF}">
-              <a14:hiddenLine xmlns:a14="http://schemas.microsoft.com/office/drawing/2010/main" xmlns="" w="9525">
+              <a14:hiddenLine xmlns="" xmlns:a14="http://schemas.microsoft.com/office/drawing/2010/main" w="9525">
                 <a:solidFill>
                   <a:schemeClr val="tx1"/>
                 </a:solidFill>
@@ -10471,7 +10466,7 @@
           <a:blip r:embed="rId3" cstate="print">
             <a:extLst>
               <a:ext uri="{28A0092B-C50C-407E-A947-70E740481C1C}">
-                <a14:useLocalDpi xmlns:a14="http://schemas.microsoft.com/office/drawing/2010/main" xmlns="" val="0"/>
+                <a14:useLocalDpi xmlns="" xmlns:a14="http://schemas.microsoft.com/office/drawing/2010/main" val="0"/>
               </a:ext>
             </a:extLst>
           </a:blip>
@@ -10494,14 +10489,14 @@
           </a:ln>
           <a:extLst>
             <a:ext uri="{909E8E84-426E-40DD-AFC4-6F175D3DCCD1}">
-              <a14:hiddenFill xmlns:a14="http://schemas.microsoft.com/office/drawing/2010/main" xmlns="">
+              <a14:hiddenFill xmlns="" xmlns:a14="http://schemas.microsoft.com/office/drawing/2010/main">
                 <a:solidFill>
                   <a:schemeClr val="accent1"/>
                 </a:solidFill>
               </a14:hiddenFill>
             </a:ext>
             <a:ext uri="{91240B29-F687-4F45-9708-019B960494DF}">
-              <a14:hiddenLine xmlns:a14="http://schemas.microsoft.com/office/drawing/2010/main" xmlns="" w="9525">
+              <a14:hiddenLine xmlns="" xmlns:a14="http://schemas.microsoft.com/office/drawing/2010/main" w="9525">
                 <a:solidFill>
                   <a:schemeClr val="tx1"/>
                 </a:solidFill>
@@ -10525,7 +10520,7 @@
           <a:blip r:embed="rId4" cstate="print">
             <a:extLst>
               <a:ext uri="{28A0092B-C50C-407E-A947-70E740481C1C}">
-                <a14:useLocalDpi xmlns:a14="http://schemas.microsoft.com/office/drawing/2010/main" xmlns="" val="0"/>
+                <a14:useLocalDpi xmlns="" xmlns:a14="http://schemas.microsoft.com/office/drawing/2010/main" val="0"/>
               </a:ext>
             </a:extLst>
           </a:blip>
@@ -10548,14 +10543,14 @@
           </a:ln>
           <a:extLst>
             <a:ext uri="{909E8E84-426E-40DD-AFC4-6F175D3DCCD1}">
-              <a14:hiddenFill xmlns:a14="http://schemas.microsoft.com/office/drawing/2010/main" xmlns="">
+              <a14:hiddenFill xmlns="" xmlns:a14="http://schemas.microsoft.com/office/drawing/2010/main">
                 <a:solidFill>
                   <a:schemeClr val="accent1"/>
                 </a:solidFill>
               </a14:hiddenFill>
             </a:ext>
             <a:ext uri="{91240B29-F687-4F45-9708-019B960494DF}">
-              <a14:hiddenLine xmlns:a14="http://schemas.microsoft.com/office/drawing/2010/main" xmlns="" w="9525">
+              <a14:hiddenLine xmlns="" xmlns:a14="http://schemas.microsoft.com/office/drawing/2010/main" w="9525">
                 <a:solidFill>
                   <a:schemeClr val="tx1"/>
                 </a:solidFill>
@@ -11167,7 +11162,7 @@
     </p:spTree>
     <p:extLst>
       <p:ext uri="{BB962C8B-B14F-4D97-AF65-F5344CB8AC3E}">
-        <p14:creationId xmlns:p14="http://schemas.microsoft.com/office/powerpoint/2010/main" xmlns="" val="421424590"/>
+        <p14:creationId xmlns="" xmlns:p14="http://schemas.microsoft.com/office/powerpoint/2010/main" val="421424590"/>
       </p:ext>
     </p:extLst>
   </p:cSld>
@@ -11353,7 +11348,7 @@
           <a:blip r:embed="rId2" cstate="print">
             <a:extLst>
               <a:ext uri="{28A0092B-C50C-407E-A947-70E740481C1C}">
-                <a14:useLocalDpi xmlns:a14="http://schemas.microsoft.com/office/drawing/2010/main" xmlns="" val="0"/>
+                <a14:useLocalDpi xmlns="" xmlns:a14="http://schemas.microsoft.com/office/drawing/2010/main" val="0"/>
               </a:ext>
             </a:extLst>
           </a:blip>
@@ -11373,7 +11368,7 @@
           <a:noFill/>
           <a:extLst>
             <a:ext uri="{909E8E84-426E-40DD-AFC4-6F175D3DCCD1}">
-              <a14:hiddenFill xmlns:a14="http://schemas.microsoft.com/office/drawing/2010/main" xmlns="">
+              <a14:hiddenFill xmlns="" xmlns:a14="http://schemas.microsoft.com/office/drawing/2010/main">
                 <a:solidFill>
                   <a:srgbClr val="FFFFFF"/>
                 </a:solidFill>
@@ -11394,7 +11389,7 @@
           <a:blip r:embed="rId3" cstate="print">
             <a:extLst>
               <a:ext uri="{28A0092B-C50C-407E-A947-70E740481C1C}">
-                <a14:useLocalDpi xmlns:a14="http://schemas.microsoft.com/office/drawing/2010/main" xmlns="" val="0"/>
+                <a14:useLocalDpi xmlns="" xmlns:a14="http://schemas.microsoft.com/office/drawing/2010/main" val="0"/>
               </a:ext>
             </a:extLst>
           </a:blip>
@@ -11417,14 +11412,14 @@
           </a:ln>
           <a:extLst>
             <a:ext uri="{909E8E84-426E-40DD-AFC4-6F175D3DCCD1}">
-              <a14:hiddenFill xmlns:a14="http://schemas.microsoft.com/office/drawing/2010/main" xmlns="">
+              <a14:hiddenFill xmlns="" xmlns:a14="http://schemas.microsoft.com/office/drawing/2010/main">
                 <a:solidFill>
                   <a:schemeClr val="accent1"/>
                 </a:solidFill>
               </a14:hiddenFill>
             </a:ext>
             <a:ext uri="{91240B29-F687-4F45-9708-019B960494DF}">
-              <a14:hiddenLine xmlns:a14="http://schemas.microsoft.com/office/drawing/2010/main" xmlns="" w="9525">
+              <a14:hiddenLine xmlns="" xmlns:a14="http://schemas.microsoft.com/office/drawing/2010/main" w="9525">
                 <a:solidFill>
                   <a:schemeClr val="tx1"/>
                 </a:solidFill>
@@ -11499,7 +11494,7 @@
     </p:spTree>
     <p:extLst>
       <p:ext uri="{BB962C8B-B14F-4D97-AF65-F5344CB8AC3E}">
-        <p14:creationId xmlns:p14="http://schemas.microsoft.com/office/powerpoint/2010/main" xmlns="" val="3268527677"/>
+        <p14:creationId xmlns="" xmlns:p14="http://schemas.microsoft.com/office/powerpoint/2010/main" val="3268527677"/>
       </p:ext>
     </p:extLst>
   </p:cSld>
@@ -11636,7 +11631,7 @@
           <a:blip r:embed="rId3" cstate="print">
             <a:extLst>
               <a:ext uri="{28A0092B-C50C-407E-A947-70E740481C1C}">
-                <a14:useLocalDpi xmlns:a14="http://schemas.microsoft.com/office/drawing/2010/main" xmlns="" val="0"/>
+                <a14:useLocalDpi xmlns="" xmlns:a14="http://schemas.microsoft.com/office/drawing/2010/main" val="0"/>
               </a:ext>
             </a:extLst>
           </a:blip>
@@ -11659,14 +11654,14 @@
           </a:ln>
           <a:extLst>
             <a:ext uri="{909E8E84-426E-40DD-AFC4-6F175D3DCCD1}">
-              <a14:hiddenFill xmlns:a14="http://schemas.microsoft.com/office/drawing/2010/main" xmlns="">
+              <a14:hiddenFill xmlns="" xmlns:a14="http://schemas.microsoft.com/office/drawing/2010/main">
                 <a:solidFill>
                   <a:schemeClr val="accent1"/>
                 </a:solidFill>
               </a14:hiddenFill>
             </a:ext>
             <a:ext uri="{91240B29-F687-4F45-9708-019B960494DF}">
-              <a14:hiddenLine xmlns:a14="http://schemas.microsoft.com/office/drawing/2010/main" xmlns="" w="9525">
+              <a14:hiddenLine xmlns="" xmlns:a14="http://schemas.microsoft.com/office/drawing/2010/main" w="9525">
                 <a:solidFill>
                   <a:schemeClr val="tx1"/>
                 </a:solidFill>
@@ -11731,7 +11726,7 @@
           <a:blip r:embed="rId4" cstate="print">
             <a:extLst>
               <a:ext uri="{28A0092B-C50C-407E-A947-70E740481C1C}">
-                <a14:useLocalDpi xmlns:a14="http://schemas.microsoft.com/office/drawing/2010/main" xmlns="" val="0"/>
+                <a14:useLocalDpi xmlns="" xmlns:a14="http://schemas.microsoft.com/office/drawing/2010/main" val="0"/>
               </a:ext>
             </a:extLst>
           </a:blip>
@@ -11754,14 +11749,14 @@
           </a:ln>
           <a:extLst>
             <a:ext uri="{909E8E84-426E-40DD-AFC4-6F175D3DCCD1}">
-              <a14:hiddenFill xmlns:a14="http://schemas.microsoft.com/office/drawing/2010/main" xmlns="">
+              <a14:hiddenFill xmlns="" xmlns:a14="http://schemas.microsoft.com/office/drawing/2010/main">
                 <a:solidFill>
                   <a:schemeClr val="accent1"/>
                 </a:solidFill>
               </a14:hiddenFill>
             </a:ext>
             <a:ext uri="{91240B29-F687-4F45-9708-019B960494DF}">
-              <a14:hiddenLine xmlns:a14="http://schemas.microsoft.com/office/drawing/2010/main" xmlns="" w="9525">
+              <a14:hiddenLine xmlns="" xmlns:a14="http://schemas.microsoft.com/office/drawing/2010/main" w="9525">
                 <a:solidFill>
                   <a:schemeClr val="tx1"/>
                 </a:solidFill>
@@ -11805,7 +11800,7 @@
     </p:spTree>
     <p:extLst>
       <p:ext uri="{BB962C8B-B14F-4D97-AF65-F5344CB8AC3E}">
-        <p14:creationId xmlns:p14="http://schemas.microsoft.com/office/powerpoint/2010/main" xmlns="" val="3295453626"/>
+        <p14:creationId xmlns="" xmlns:p14="http://schemas.microsoft.com/office/powerpoint/2010/main" val="3295453626"/>
       </p:ext>
     </p:extLst>
   </p:cSld>
@@ -12023,7 +12018,7 @@
           <a:blip r:embed="rId2" cstate="print">
             <a:extLst>
               <a:ext uri="{28A0092B-C50C-407E-A947-70E740481C1C}">
-                <a14:useLocalDpi xmlns:a14="http://schemas.microsoft.com/office/drawing/2010/main" xmlns="" val="0"/>
+                <a14:useLocalDpi xmlns="" xmlns:a14="http://schemas.microsoft.com/office/drawing/2010/main" val="0"/>
               </a:ext>
             </a:extLst>
           </a:blip>
@@ -12043,7 +12038,7 @@
           <a:noFill/>
           <a:extLst>
             <a:ext uri="{909E8E84-426E-40DD-AFC4-6F175D3DCCD1}">
-              <a14:hiddenFill xmlns:a14="http://schemas.microsoft.com/office/drawing/2010/main" xmlns="">
+              <a14:hiddenFill xmlns="" xmlns:a14="http://schemas.microsoft.com/office/drawing/2010/main">
                 <a:solidFill>
                   <a:srgbClr val="FFFFFF"/>
                 </a:solidFill>
@@ -12064,7 +12059,7 @@
           <a:blip r:embed="rId3" cstate="print">
             <a:extLst>
               <a:ext uri="{28A0092B-C50C-407E-A947-70E740481C1C}">
-                <a14:useLocalDpi xmlns:a14="http://schemas.microsoft.com/office/drawing/2010/main" xmlns="" val="0"/>
+                <a14:useLocalDpi xmlns="" xmlns:a14="http://schemas.microsoft.com/office/drawing/2010/main" val="0"/>
               </a:ext>
             </a:extLst>
           </a:blip>
@@ -12087,14 +12082,14 @@
           </a:ln>
           <a:extLst>
             <a:ext uri="{909E8E84-426E-40DD-AFC4-6F175D3DCCD1}">
-              <a14:hiddenFill xmlns:a14="http://schemas.microsoft.com/office/drawing/2010/main" xmlns="">
+              <a14:hiddenFill xmlns="" xmlns:a14="http://schemas.microsoft.com/office/drawing/2010/main">
                 <a:solidFill>
                   <a:schemeClr val="accent1"/>
                 </a:solidFill>
               </a14:hiddenFill>
             </a:ext>
             <a:ext uri="{91240B29-F687-4F45-9708-019B960494DF}">
-              <a14:hiddenLine xmlns:a14="http://schemas.microsoft.com/office/drawing/2010/main" xmlns="" w="9525">
+              <a14:hiddenLine xmlns="" xmlns:a14="http://schemas.microsoft.com/office/drawing/2010/main" w="9525">
                 <a:solidFill>
                   <a:schemeClr val="tx1"/>
                 </a:solidFill>
@@ -12172,7 +12167,7 @@
     </p:spTree>
     <p:extLst>
       <p:ext uri="{BB962C8B-B14F-4D97-AF65-F5344CB8AC3E}">
-        <p14:creationId xmlns:p14="http://schemas.microsoft.com/office/powerpoint/2010/main" xmlns="" val="2882252251"/>
+        <p14:creationId xmlns="" xmlns:p14="http://schemas.microsoft.com/office/powerpoint/2010/main" val="2882252251"/>
       </p:ext>
     </p:extLst>
   </p:cSld>
@@ -12238,7 +12233,7 @@
         </p:nvSpPr>
         <p:spPr>
           <a:xfrm>
-            <a:off x="155575" y="1679014"/>
+            <a:off x="251520" y="1412776"/>
             <a:ext cx="8374063" cy="4067175"/>
           </a:xfrm>
         </p:spPr>
@@ -12308,7 +12303,7 @@
           <a:noFill/>
           <a:extLst>
             <a:ext uri="{909E8E84-426E-40DD-AFC4-6F175D3DCCD1}">
-              <a14:hiddenFill xmlns:a14="http://schemas.microsoft.com/office/drawing/2010/main" xmlns="">
+              <a14:hiddenFill xmlns="" xmlns:a14="http://schemas.microsoft.com/office/drawing/2010/main">
                 <a:solidFill>
                   <a:srgbClr val="FFFFFF"/>
                 </a:solidFill>
@@ -12347,7 +12342,7 @@
           <a:noFill/>
           <a:extLst>
             <a:ext uri="{909E8E84-426E-40DD-AFC4-6F175D3DCCD1}">
-              <a14:hiddenFill xmlns:a14="http://schemas.microsoft.com/office/drawing/2010/main" xmlns="">
+              <a14:hiddenFill xmlns="" xmlns:a14="http://schemas.microsoft.com/office/drawing/2010/main">
                 <a:solidFill>
                   <a:srgbClr val="FFFFFF"/>
                 </a:solidFill>
@@ -12386,7 +12381,7 @@
           <a:noFill/>
           <a:extLst>
             <a:ext uri="{909E8E84-426E-40DD-AFC4-6F175D3DCCD1}">
-              <a14:hiddenFill xmlns:a14="http://schemas.microsoft.com/office/drawing/2010/main" xmlns="">
+              <a14:hiddenFill xmlns="" xmlns:a14="http://schemas.microsoft.com/office/drawing/2010/main">
                 <a:solidFill>
                   <a:srgbClr val="FFFFFF"/>
                 </a:solidFill>
@@ -12425,7 +12420,7 @@
           <a:noFill/>
           <a:extLst>
             <a:ext uri="{909E8E84-426E-40DD-AFC4-6F175D3DCCD1}">
-              <a14:hiddenFill xmlns:a14="http://schemas.microsoft.com/office/drawing/2010/main" xmlns="">
+              <a14:hiddenFill xmlns="" xmlns:a14="http://schemas.microsoft.com/office/drawing/2010/main">
                 <a:solidFill>
                   <a:srgbClr val="FFFFFF"/>
                 </a:solidFill>
@@ -12464,7 +12459,7 @@
           <a:noFill/>
           <a:extLst>
             <a:ext uri="{909E8E84-426E-40DD-AFC4-6F175D3DCCD1}">
-              <a14:hiddenFill xmlns:a14="http://schemas.microsoft.com/office/drawing/2010/main" xmlns="">
+              <a14:hiddenFill xmlns="" xmlns:a14="http://schemas.microsoft.com/office/drawing/2010/main">
                 <a:solidFill>
                   <a:srgbClr val="FFFFFF"/>
                 </a:solidFill>
@@ -12486,17 +12481,15 @@
       </p:sp>
       <p:pic>
         <p:nvPicPr>
-          <p:cNvPr id="3084" name="Picture 12" descr="C:\Users\ja550\Dropbox\Camera Uploads\2016-06-16 11.06.20.jpg"/>
-          <p:cNvPicPr>
-            <a:picLocks noChangeAspect="1" noChangeArrowheads="1"/>
-          </p:cNvPicPr>
+          <p:cNvPr id="15" name="Picture 14"/>
+          <p:cNvPicPr/>
           <p:nvPr/>
         </p:nvPicPr>
         <p:blipFill>
           <a:blip r:embed="rId2" cstate="print">
             <a:extLst>
               <a:ext uri="{28A0092B-C50C-407E-A947-70E740481C1C}">
-                <a14:useLocalDpi xmlns:a14="http://schemas.microsoft.com/office/drawing/2010/main" xmlns="" val="0"/>
+                <a14:useLocalDpi xmlns="" xmlns:a14="http://schemas.microsoft.com/office/drawing/2010/main" val="0"/>
               </a:ext>
             </a:extLst>
           </a:blip>
@@ -12507,40 +12500,28 @@
         </p:blipFill>
         <p:spPr bwMode="auto">
           <a:xfrm>
-            <a:off x="3707904" y="1772816"/>
-            <a:ext cx="5348496" cy="4011372"/>
+            <a:off x="107504" y="3212976"/>
+            <a:ext cx="3378835" cy="1971040"/>
           </a:xfrm>
           <a:prstGeom prst="rect">
             <a:avLst/>
           </a:prstGeom>
           <a:noFill/>
-          <a:extLst>
-            <a:ext uri="{909E8E84-426E-40DD-AFC4-6F175D3DCCD1}">
-              <a14:hiddenFill xmlns:a14="http://schemas.microsoft.com/office/drawing/2010/main" xmlns="">
-                <a:solidFill>
-                  <a:srgbClr val="FFFFFF"/>
-                </a:solidFill>
-              </a14:hiddenFill>
-            </a:ext>
-          </a:extLst>
+          <a:ln>
+            <a:noFill/>
+          </a:ln>
         </p:spPr>
       </p:pic>
       <p:pic>
         <p:nvPicPr>
-          <p:cNvPr id="14" name="Picture 11"/>
+          <p:cNvPr id="20482" name="Picture 2" descr="Image result for KrF laser&quot;"/>
           <p:cNvPicPr>
             <a:picLocks noChangeAspect="1" noChangeArrowheads="1"/>
           </p:cNvPicPr>
           <p:nvPr/>
         </p:nvPicPr>
         <p:blipFill>
-          <a:blip r:embed="rId3" cstate="print">
-            <a:extLst>
-              <a:ext uri="{28A0092B-C50C-407E-A947-70E740481C1C}">
-                <a14:useLocalDpi xmlns:a14="http://schemas.microsoft.com/office/drawing/2010/main" xmlns="" val="0"/>
-              </a:ext>
-            </a:extLst>
-          </a:blip>
+          <a:blip r:embed="rId3" cstate="print"/>
           <a:srcRect/>
           <a:stretch>
             <a:fillRect/>
@@ -12548,74 +12529,19 @@
         </p:blipFill>
         <p:spPr bwMode="auto">
           <a:xfrm>
-            <a:off x="2557425" y="1628800"/>
-            <a:ext cx="1053852" cy="1229494"/>
+            <a:off x="3491880" y="2564904"/>
+            <a:ext cx="5526239" cy="3043436"/>
           </a:xfrm>
           <a:prstGeom prst="rect">
             <a:avLst/>
           </a:prstGeom>
           <a:noFill/>
-          <a:ln>
-            <a:noFill/>
-          </a:ln>
-          <a:extLst>
-            <a:ext uri="{909E8E84-426E-40DD-AFC4-6F175D3DCCD1}">
-              <a14:hiddenFill xmlns:a14="http://schemas.microsoft.com/office/drawing/2010/main" xmlns="">
-                <a:solidFill>
-                  <a:schemeClr val="accent1"/>
-                </a:solidFill>
-              </a14:hiddenFill>
-            </a:ext>
-            <a:ext uri="{91240B29-F687-4F45-9708-019B960494DF}">
-              <a14:hiddenLine xmlns:a14="http://schemas.microsoft.com/office/drawing/2010/main" xmlns="" w="9525">
-                <a:solidFill>
-                  <a:schemeClr val="tx1"/>
-                </a:solidFill>
-                <a:miter lim="800000"/>
-                <a:headEnd/>
-                <a:tailEnd/>
-              </a14:hiddenLine>
-            </a:ext>
-          </a:extLst>
-        </p:spPr>
-      </p:pic>
-      <p:pic>
-        <p:nvPicPr>
-          <p:cNvPr id="15" name="Picture 14"/>
-          <p:cNvPicPr/>
-          <p:nvPr/>
-        </p:nvPicPr>
-        <p:blipFill>
-          <a:blip r:embed="rId4" cstate="print">
-            <a:extLst>
-              <a:ext uri="{28A0092B-C50C-407E-A947-70E740481C1C}">
-                <a14:useLocalDpi xmlns:a14="http://schemas.microsoft.com/office/drawing/2010/main" xmlns="" val="0"/>
-              </a:ext>
-            </a:extLst>
-          </a:blip>
-          <a:srcRect/>
-          <a:stretch>
-            <a:fillRect/>
-          </a:stretch>
-        </p:blipFill>
-        <p:spPr bwMode="auto">
-          <a:xfrm>
-            <a:off x="0" y="3722978"/>
-            <a:ext cx="3378835" cy="1971040"/>
-          </a:xfrm>
-          <a:prstGeom prst="rect">
-            <a:avLst/>
-          </a:prstGeom>
-          <a:noFill/>
-          <a:ln>
-            <a:noFill/>
-          </a:ln>
         </p:spPr>
       </p:pic>
     </p:spTree>
     <p:extLst>
       <p:ext uri="{BB962C8B-B14F-4D97-AF65-F5344CB8AC3E}">
-        <p14:creationId xmlns:p14="http://schemas.microsoft.com/office/powerpoint/2010/main" xmlns="" val="463916208"/>
+        <p14:creationId xmlns="" xmlns:p14="http://schemas.microsoft.com/office/powerpoint/2010/main" val="463916208"/>
       </p:ext>
     </p:extLst>
   </p:cSld>
@@ -13218,7 +13144,7 @@
           <a:blip r:embed="rId2" cstate="print">
             <a:extLst>
               <a:ext uri="{28A0092B-C50C-407E-A947-70E740481C1C}">
-                <a14:useLocalDpi xmlns:a14="http://schemas.microsoft.com/office/drawing/2010/main" xmlns="" val="0"/>
+                <a14:useLocalDpi xmlns="" xmlns:a14="http://schemas.microsoft.com/office/drawing/2010/main" val="0"/>
               </a:ext>
             </a:extLst>
           </a:blip>
@@ -13241,14 +13167,14 @@
           </a:ln>
           <a:extLst>
             <a:ext uri="{909E8E84-426E-40DD-AFC4-6F175D3DCCD1}">
-              <a14:hiddenFill xmlns:a14="http://schemas.microsoft.com/office/drawing/2010/main" xmlns="">
+              <a14:hiddenFill xmlns="" xmlns:a14="http://schemas.microsoft.com/office/drawing/2010/main">
                 <a:solidFill>
                   <a:schemeClr val="accent1"/>
                 </a:solidFill>
               </a14:hiddenFill>
             </a:ext>
             <a:ext uri="{91240B29-F687-4F45-9708-019B960494DF}">
-              <a14:hiddenLine xmlns:a14="http://schemas.microsoft.com/office/drawing/2010/main" xmlns="" w="9525">
+              <a14:hiddenLine xmlns="" xmlns:a14="http://schemas.microsoft.com/office/drawing/2010/main" w="9525">
                 <a:solidFill>
                   <a:schemeClr val="tx1"/>
                 </a:solidFill>
@@ -13272,7 +13198,7 @@
           <a:blip r:embed="rId3" cstate="print">
             <a:extLst>
               <a:ext uri="{28A0092B-C50C-407E-A947-70E740481C1C}">
-                <a14:useLocalDpi xmlns:a14="http://schemas.microsoft.com/office/drawing/2010/main" xmlns="" val="0"/>
+                <a14:useLocalDpi xmlns="" xmlns:a14="http://schemas.microsoft.com/office/drawing/2010/main" val="0"/>
               </a:ext>
             </a:extLst>
           </a:blip>
@@ -13295,14 +13221,14 @@
           </a:ln>
           <a:extLst>
             <a:ext uri="{909E8E84-426E-40DD-AFC4-6F175D3DCCD1}">
-              <a14:hiddenFill xmlns:a14="http://schemas.microsoft.com/office/drawing/2010/main" xmlns="">
+              <a14:hiddenFill xmlns="" xmlns:a14="http://schemas.microsoft.com/office/drawing/2010/main">
                 <a:solidFill>
                   <a:schemeClr val="accent1"/>
                 </a:solidFill>
               </a14:hiddenFill>
             </a:ext>
             <a:ext uri="{91240B29-F687-4F45-9708-019B960494DF}">
-              <a14:hiddenLine xmlns:a14="http://schemas.microsoft.com/office/drawing/2010/main" xmlns="" w="9525">
+              <a14:hiddenLine xmlns="" xmlns:a14="http://schemas.microsoft.com/office/drawing/2010/main" w="9525">
                 <a:solidFill>
                   <a:schemeClr val="tx1"/>
                 </a:solidFill>
@@ -13452,7 +13378,7 @@
     </p:spTree>
     <p:extLst>
       <p:ext uri="{BB962C8B-B14F-4D97-AF65-F5344CB8AC3E}">
-        <p14:creationId xmlns:p14="http://schemas.microsoft.com/office/powerpoint/2010/main" xmlns="" val="1390210237"/>
+        <p14:creationId xmlns="" xmlns:p14="http://schemas.microsoft.com/office/powerpoint/2010/main" val="1390210237"/>
       </p:ext>
     </p:extLst>
   </p:cSld>
@@ -14592,7 +14518,7 @@
           <a:blip r:embed="rId2" cstate="print">
             <a:extLst>
               <a:ext uri="{28A0092B-C50C-407E-A947-70E740481C1C}">
-                <a14:useLocalDpi xmlns:a14="http://schemas.microsoft.com/office/drawing/2010/main" xmlns="" val="0"/>
+                <a14:useLocalDpi xmlns="" xmlns:a14="http://schemas.microsoft.com/office/drawing/2010/main" val="0"/>
               </a:ext>
             </a:extLst>
           </a:blip>
@@ -14612,7 +14538,7 @@
           <a:noFill/>
           <a:extLst>
             <a:ext uri="{909E8E84-426E-40DD-AFC4-6F175D3DCCD1}">
-              <a14:hiddenFill xmlns:a14="http://schemas.microsoft.com/office/drawing/2010/main" xmlns="">
+              <a14:hiddenFill xmlns="" xmlns:a14="http://schemas.microsoft.com/office/drawing/2010/main">
                 <a:solidFill>
                   <a:srgbClr val="FFFFFF"/>
                 </a:solidFill>
@@ -14624,7 +14550,7 @@
     </p:spTree>
     <p:extLst>
       <p:ext uri="{BB962C8B-B14F-4D97-AF65-F5344CB8AC3E}">
-        <p14:creationId xmlns:p14="http://schemas.microsoft.com/office/powerpoint/2010/main" xmlns="" val="3015623473"/>
+        <p14:creationId xmlns="" xmlns:p14="http://schemas.microsoft.com/office/powerpoint/2010/main" val="3015623473"/>
       </p:ext>
     </p:extLst>
   </p:cSld>
@@ -14758,7 +14684,7 @@
           <a:blip r:embed="rId2" cstate="print">
             <a:extLst>
               <a:ext uri="{28A0092B-C50C-407E-A947-70E740481C1C}">
-                <a14:useLocalDpi xmlns:a14="http://schemas.microsoft.com/office/drawing/2010/main" xmlns="" val="0"/>
+                <a14:useLocalDpi xmlns="" xmlns:a14="http://schemas.microsoft.com/office/drawing/2010/main" val="0"/>
               </a:ext>
             </a:extLst>
           </a:blip>
@@ -14778,7 +14704,7 @@
           <a:noFill/>
           <a:extLst>
             <a:ext uri="{909E8E84-426E-40DD-AFC4-6F175D3DCCD1}">
-              <a14:hiddenFill xmlns:a14="http://schemas.microsoft.com/office/drawing/2010/main" xmlns="">
+              <a14:hiddenFill xmlns="" xmlns:a14="http://schemas.microsoft.com/office/drawing/2010/main">
                 <a:solidFill>
                   <a:srgbClr val="FFFFFF"/>
                 </a:solidFill>
@@ -14799,7 +14725,7 @@
           <a:blip r:embed="rId3" cstate="print">
             <a:extLst>
               <a:ext uri="{28A0092B-C50C-407E-A947-70E740481C1C}">
-                <a14:useLocalDpi xmlns:a14="http://schemas.microsoft.com/office/drawing/2010/main" xmlns="" val="0"/>
+                <a14:useLocalDpi xmlns="" xmlns:a14="http://schemas.microsoft.com/office/drawing/2010/main" val="0"/>
               </a:ext>
             </a:extLst>
           </a:blip>
@@ -14819,7 +14745,7 @@
           <a:noFill/>
           <a:extLst>
             <a:ext uri="{909E8E84-426E-40DD-AFC4-6F175D3DCCD1}">
-              <a14:hiddenFill xmlns:a14="http://schemas.microsoft.com/office/drawing/2010/main" xmlns="">
+              <a14:hiddenFill xmlns="" xmlns:a14="http://schemas.microsoft.com/office/drawing/2010/main">
                 <a:solidFill>
                   <a:srgbClr val="FFFFFF"/>
                 </a:solidFill>
@@ -15067,7 +14993,7 @@
     </p:spTree>
     <p:extLst>
       <p:ext uri="{BB962C8B-B14F-4D97-AF65-F5344CB8AC3E}">
-        <p14:creationId xmlns:p14="http://schemas.microsoft.com/office/powerpoint/2010/main" xmlns="" val="469735232"/>
+        <p14:creationId xmlns="" xmlns:p14="http://schemas.microsoft.com/office/powerpoint/2010/main" val="469735232"/>
       </p:ext>
     </p:extLst>
   </p:cSld>
@@ -15143,14 +15069,14 @@
           <a:effectLst/>
           <a:extLst>
             <a:ext uri="{909E8E84-426E-40DD-AFC4-6F175D3DCCD1}">
-              <a14:hiddenFill xmlns:a14="http://schemas.microsoft.com/office/drawing/2010/main" xmlns="">
+              <a14:hiddenFill xmlns="" xmlns:a14="http://schemas.microsoft.com/office/drawing/2010/main">
                 <a:solidFill>
                   <a:schemeClr val="accent1"/>
                 </a:solidFill>
               </a14:hiddenFill>
             </a:ext>
             <a:ext uri="{91240B29-F687-4F45-9708-019B960494DF}">
-              <a14:hiddenLine xmlns:a14="http://schemas.microsoft.com/office/drawing/2010/main" xmlns="" w="9525">
+              <a14:hiddenLine xmlns="" xmlns:a14="http://schemas.microsoft.com/office/drawing/2010/main" w="9525">
                 <a:solidFill>
                   <a:schemeClr val="tx1"/>
                 </a:solidFill>
@@ -15160,7 +15086,7 @@
               </a14:hiddenLine>
             </a:ext>
             <a:ext uri="{AF507438-7753-43E0-B8FC-AC1667EBCBE1}">
-              <a14:hiddenEffects xmlns:a14="http://schemas.microsoft.com/office/drawing/2010/main" xmlns="">
+              <a14:hiddenEffects xmlns="" xmlns:a14="http://schemas.microsoft.com/office/drawing/2010/main">
                 <a:effectLst>
                   <a:outerShdw dist="35921" dir="2700000" algn="ctr" rotWithShape="0">
                     <a:schemeClr val="bg2"/>
@@ -16355,7 +16281,7 @@
     </p:spTree>
     <p:extLst>
       <p:ext uri="{BB962C8B-B14F-4D97-AF65-F5344CB8AC3E}">
-        <p14:creationId xmlns:p14="http://schemas.microsoft.com/office/powerpoint/2010/main" xmlns="" val="329299162"/>
+        <p14:creationId xmlns="" xmlns:p14="http://schemas.microsoft.com/office/powerpoint/2010/main" val="329299162"/>
       </p:ext>
     </p:extLst>
   </p:cSld>
@@ -16444,7 +16370,7 @@
           <a:blip r:embed="rId2" cstate="print">
             <a:extLst>
               <a:ext uri="{28A0092B-C50C-407E-A947-70E740481C1C}">
-                <a14:useLocalDpi xmlns:a14="http://schemas.microsoft.com/office/drawing/2010/main" xmlns="" val="0"/>
+                <a14:useLocalDpi xmlns="" xmlns:a14="http://schemas.microsoft.com/office/drawing/2010/main" val="0"/>
               </a:ext>
             </a:extLst>
           </a:blip>
@@ -17124,7 +17050,7 @@
           <a:blip r:embed="rId3" cstate="print">
             <a:extLst>
               <a:ext uri="{28A0092B-C50C-407E-A947-70E740481C1C}">
-                <a14:useLocalDpi xmlns:a14="http://schemas.microsoft.com/office/drawing/2010/main" xmlns="" val="0"/>
+                <a14:useLocalDpi xmlns="" xmlns:a14="http://schemas.microsoft.com/office/drawing/2010/main" val="0"/>
               </a:ext>
             </a:extLst>
           </a:blip>
@@ -17144,7 +17070,7 @@
           <a:noFill/>
           <a:extLst>
             <a:ext uri="{909E8E84-426E-40DD-AFC4-6F175D3DCCD1}">
-              <a14:hiddenFill xmlns:a14="http://schemas.microsoft.com/office/drawing/2010/main" xmlns="">
+              <a14:hiddenFill xmlns="" xmlns:a14="http://schemas.microsoft.com/office/drawing/2010/main">
                 <a:solidFill>
                   <a:srgbClr val="FFFFFF"/>
                 </a:solidFill>
@@ -17267,7 +17193,7 @@
     </p:spTree>
     <p:extLst>
       <p:ext uri="{BB962C8B-B14F-4D97-AF65-F5344CB8AC3E}">
-        <p14:creationId xmlns:p14="http://schemas.microsoft.com/office/powerpoint/2010/main" xmlns="" val="2802991171"/>
+        <p14:creationId xmlns="" xmlns:p14="http://schemas.microsoft.com/office/powerpoint/2010/main" val="2802991171"/>
       </p:ext>
     </p:extLst>
   </p:cSld>
@@ -17959,7 +17885,7 @@
           <a:blip r:embed="rId2" cstate="print">
             <a:extLst>
               <a:ext uri="{28A0092B-C50C-407E-A947-70E740481C1C}">
-                <a14:useLocalDpi xmlns:a14="http://schemas.microsoft.com/office/drawing/2010/main" xmlns="" val="0"/>
+                <a14:useLocalDpi xmlns="" xmlns:a14="http://schemas.microsoft.com/office/drawing/2010/main" val="0"/>
               </a:ext>
             </a:extLst>
           </a:blip>
@@ -17982,14 +17908,14 @@
           </a:ln>
           <a:extLst>
             <a:ext uri="{909E8E84-426E-40DD-AFC4-6F175D3DCCD1}">
-              <a14:hiddenFill xmlns:a14="http://schemas.microsoft.com/office/drawing/2010/main" xmlns="">
+              <a14:hiddenFill xmlns="" xmlns:a14="http://schemas.microsoft.com/office/drawing/2010/main">
                 <a:solidFill>
                   <a:schemeClr val="accent1"/>
                 </a:solidFill>
               </a14:hiddenFill>
             </a:ext>
             <a:ext uri="{91240B29-F687-4F45-9708-019B960494DF}">
-              <a14:hiddenLine xmlns:a14="http://schemas.microsoft.com/office/drawing/2010/main" xmlns="" w="9525">
+              <a14:hiddenLine xmlns="" xmlns:a14="http://schemas.microsoft.com/office/drawing/2010/main" w="9525">
                 <a:solidFill>
                   <a:schemeClr val="tx1"/>
                 </a:solidFill>
@@ -18013,7 +17939,7 @@
           <a:blip r:embed="rId3" cstate="print">
             <a:extLst>
               <a:ext uri="{28A0092B-C50C-407E-A947-70E740481C1C}">
-                <a14:useLocalDpi xmlns:a14="http://schemas.microsoft.com/office/drawing/2010/main" xmlns="" val="0"/>
+                <a14:useLocalDpi xmlns="" xmlns:a14="http://schemas.microsoft.com/office/drawing/2010/main" val="0"/>
               </a:ext>
             </a:extLst>
           </a:blip>
@@ -18036,14 +17962,14 @@
           </a:ln>
           <a:extLst>
             <a:ext uri="{909E8E84-426E-40DD-AFC4-6F175D3DCCD1}">
-              <a14:hiddenFill xmlns:a14="http://schemas.microsoft.com/office/drawing/2010/main" xmlns="">
+              <a14:hiddenFill xmlns="" xmlns:a14="http://schemas.microsoft.com/office/drawing/2010/main">
                 <a:solidFill>
                   <a:schemeClr val="accent1"/>
                 </a:solidFill>
               </a14:hiddenFill>
             </a:ext>
             <a:ext uri="{91240B29-F687-4F45-9708-019B960494DF}">
-              <a14:hiddenLine xmlns:a14="http://schemas.microsoft.com/office/drawing/2010/main" xmlns="" w="9525">
+              <a14:hiddenLine xmlns="" xmlns:a14="http://schemas.microsoft.com/office/drawing/2010/main" w="9525">
                 <a:solidFill>
                   <a:schemeClr val="tx1"/>
                 </a:solidFill>
@@ -18124,7 +18050,7 @@
     </p:spTree>
     <p:extLst>
       <p:ext uri="{BB962C8B-B14F-4D97-AF65-F5344CB8AC3E}">
-        <p14:creationId xmlns:p14="http://schemas.microsoft.com/office/powerpoint/2010/main" xmlns="" val="1391356534"/>
+        <p14:creationId xmlns="" xmlns:p14="http://schemas.microsoft.com/office/powerpoint/2010/main" val="1391356534"/>
       </p:ext>
     </p:extLst>
   </p:cSld>

--- a/Numerical_simulations.pptx
+++ b/Numerical_simulations.pptx
@@ -161,7 +161,7 @@
   </p:defaultTextStyle>
   <p:extLst>
     <p:ext uri="{EFAFB233-063F-42B5-8137-9DF3F51BA10A}">
-      <p15:sldGuideLst xmlns="" xmlns:p15="http://schemas.microsoft.com/office/powerpoint/2012/main">
+      <p15:sldGuideLst xmlns:p15="http://schemas.microsoft.com/office/powerpoint/2012/main" xmlns="">
         <p15:guide id="1" orient="horz" pos="2160">
           <p15:clr>
             <a:srgbClr val="A4A3A4"/>
@@ -175,7 +175,7 @@
       </p15:sldGuideLst>
     </p:ext>
     <p:ext uri="{2D200454-40CA-4A62-9FC3-DE9A4176ACB9}">
-      <p15:notesGuideLst xmlns="" xmlns:p15="http://schemas.microsoft.com/office/powerpoint/2012/main"/>
+      <p15:notesGuideLst xmlns:p15="http://schemas.microsoft.com/office/powerpoint/2012/main" xmlns=""/>
     </p:ext>
   </p:extLst>
 </p:presentation>
@@ -231,14 +231,14 @@
           <a:effectLst/>
           <a:extLst>
             <a:ext uri="{909E8E84-426E-40DD-AFC4-6F175D3DCCD1}">
-              <a14:hiddenFill xmlns="" xmlns:a14="http://schemas.microsoft.com/office/drawing/2010/main">
+              <a14:hiddenFill xmlns:a14="http://schemas.microsoft.com/office/drawing/2010/main" xmlns="">
                 <a:solidFill>
                   <a:schemeClr val="accent1"/>
                 </a:solidFill>
               </a14:hiddenFill>
             </a:ext>
             <a:ext uri="{91240B29-F687-4F45-9708-019B960494DF}">
-              <a14:hiddenLine xmlns="" xmlns:a14="http://schemas.microsoft.com/office/drawing/2010/main" w="9525">
+              <a14:hiddenLine xmlns:a14="http://schemas.microsoft.com/office/drawing/2010/main" xmlns="" w="9525">
                 <a:solidFill>
                   <a:schemeClr val="tx1"/>
                 </a:solidFill>
@@ -248,7 +248,7 @@
               </a14:hiddenLine>
             </a:ext>
             <a:ext uri="{AF507438-7753-43E0-B8FC-AC1667EBCBE1}">
-              <a14:hiddenEffects xmlns="" xmlns:a14="http://schemas.microsoft.com/office/drawing/2010/main">
+              <a14:hiddenEffects xmlns:a14="http://schemas.microsoft.com/office/drawing/2010/main" xmlns="">
                 <a:effectLst>
                   <a:outerShdw dist="35921" dir="2700000" algn="ctr" rotWithShape="0">
                     <a:schemeClr val="bg2"/>
@@ -302,14 +302,14 @@
           <a:effectLst/>
           <a:extLst>
             <a:ext uri="{909E8E84-426E-40DD-AFC4-6F175D3DCCD1}">
-              <a14:hiddenFill xmlns="" xmlns:a14="http://schemas.microsoft.com/office/drawing/2010/main">
+              <a14:hiddenFill xmlns:a14="http://schemas.microsoft.com/office/drawing/2010/main" xmlns="">
                 <a:solidFill>
                   <a:schemeClr val="accent1"/>
                 </a:solidFill>
               </a14:hiddenFill>
             </a:ext>
             <a:ext uri="{91240B29-F687-4F45-9708-019B960494DF}">
-              <a14:hiddenLine xmlns="" xmlns:a14="http://schemas.microsoft.com/office/drawing/2010/main" w="9525">
+              <a14:hiddenLine xmlns:a14="http://schemas.microsoft.com/office/drawing/2010/main" xmlns="" w="9525">
                 <a:solidFill>
                   <a:schemeClr val="tx1"/>
                 </a:solidFill>
@@ -319,7 +319,7 @@
               </a14:hiddenLine>
             </a:ext>
             <a:ext uri="{AF507438-7753-43E0-B8FC-AC1667EBCBE1}">
-              <a14:hiddenEffects xmlns="" xmlns:a14="http://schemas.microsoft.com/office/drawing/2010/main">
+              <a14:hiddenEffects xmlns:a14="http://schemas.microsoft.com/office/drawing/2010/main" xmlns="">
                 <a:effectLst>
                   <a:outerShdw dist="35921" dir="2700000" algn="ctr" rotWithShape="0">
                     <a:schemeClr val="bg2"/>
@@ -373,14 +373,14 @@
           <a:effectLst/>
           <a:extLst>
             <a:ext uri="{909E8E84-426E-40DD-AFC4-6F175D3DCCD1}">
-              <a14:hiddenFill xmlns="" xmlns:a14="http://schemas.microsoft.com/office/drawing/2010/main">
+              <a14:hiddenFill xmlns:a14="http://schemas.microsoft.com/office/drawing/2010/main" xmlns="">
                 <a:solidFill>
                   <a:schemeClr val="accent1"/>
                 </a:solidFill>
               </a14:hiddenFill>
             </a:ext>
             <a:ext uri="{91240B29-F687-4F45-9708-019B960494DF}">
-              <a14:hiddenLine xmlns="" xmlns:a14="http://schemas.microsoft.com/office/drawing/2010/main" w="9525">
+              <a14:hiddenLine xmlns:a14="http://schemas.microsoft.com/office/drawing/2010/main" xmlns="" w="9525">
                 <a:solidFill>
                   <a:schemeClr val="tx1"/>
                 </a:solidFill>
@@ -390,7 +390,7 @@
               </a14:hiddenLine>
             </a:ext>
             <a:ext uri="{AF507438-7753-43E0-B8FC-AC1667EBCBE1}">
-              <a14:hiddenEffects xmlns="" xmlns:a14="http://schemas.microsoft.com/office/drawing/2010/main">
+              <a14:hiddenEffects xmlns:a14="http://schemas.microsoft.com/office/drawing/2010/main" xmlns="">
                 <a:effectLst>
                   <a:outerShdw dist="35921" dir="2700000" algn="ctr" rotWithShape="0">
                     <a:schemeClr val="bg2"/>
@@ -444,14 +444,14 @@
           <a:effectLst/>
           <a:extLst>
             <a:ext uri="{909E8E84-426E-40DD-AFC4-6F175D3DCCD1}">
-              <a14:hiddenFill xmlns="" xmlns:a14="http://schemas.microsoft.com/office/drawing/2010/main">
+              <a14:hiddenFill xmlns:a14="http://schemas.microsoft.com/office/drawing/2010/main" xmlns="">
                 <a:solidFill>
                   <a:schemeClr val="accent1"/>
                 </a:solidFill>
               </a14:hiddenFill>
             </a:ext>
             <a:ext uri="{91240B29-F687-4F45-9708-019B960494DF}">
-              <a14:hiddenLine xmlns="" xmlns:a14="http://schemas.microsoft.com/office/drawing/2010/main" w="9525">
+              <a14:hiddenLine xmlns:a14="http://schemas.microsoft.com/office/drawing/2010/main" xmlns="" w="9525">
                 <a:solidFill>
                   <a:schemeClr val="tx1"/>
                 </a:solidFill>
@@ -461,7 +461,7 @@
               </a14:hiddenLine>
             </a:ext>
             <a:ext uri="{AF507438-7753-43E0-B8FC-AC1667EBCBE1}">
-              <a14:hiddenEffects xmlns="" xmlns:a14="http://schemas.microsoft.com/office/drawing/2010/main">
+              <a14:hiddenEffects xmlns:a14="http://schemas.microsoft.com/office/drawing/2010/main" xmlns="">
                 <a:effectLst>
                   <a:outerShdw dist="35921" dir="2700000" algn="ctr" rotWithShape="0">
                     <a:schemeClr val="bg2"/>
@@ -500,7 +500,7 @@
     </p:spTree>
     <p:extLst>
       <p:ext uri="{BB962C8B-B14F-4D97-AF65-F5344CB8AC3E}">
-        <p14:creationId xmlns="" xmlns:p14="http://schemas.microsoft.com/office/powerpoint/2010/main" val="3696040276"/>
+        <p14:creationId xmlns:p14="http://schemas.microsoft.com/office/powerpoint/2010/main" xmlns="" val="3696040276"/>
       </p:ext>
     </p:extLst>
   </p:cSld>
@@ -558,14 +558,14 @@
           <a:effectLst/>
           <a:extLst>
             <a:ext uri="{909E8E84-426E-40DD-AFC4-6F175D3DCCD1}">
-              <a14:hiddenFill xmlns="" xmlns:a14="http://schemas.microsoft.com/office/drawing/2010/main">
+              <a14:hiddenFill xmlns:a14="http://schemas.microsoft.com/office/drawing/2010/main" xmlns="">
                 <a:solidFill>
                   <a:schemeClr val="accent1"/>
                 </a:solidFill>
               </a14:hiddenFill>
             </a:ext>
             <a:ext uri="{91240B29-F687-4F45-9708-019B960494DF}">
-              <a14:hiddenLine xmlns="" xmlns:a14="http://schemas.microsoft.com/office/drawing/2010/main" w="9525">
+              <a14:hiddenLine xmlns:a14="http://schemas.microsoft.com/office/drawing/2010/main" xmlns="" w="9525">
                 <a:solidFill>
                   <a:schemeClr val="tx1"/>
                 </a:solidFill>
@@ -575,7 +575,7 @@
               </a14:hiddenLine>
             </a:ext>
             <a:ext uri="{AF507438-7753-43E0-B8FC-AC1667EBCBE1}">
-              <a14:hiddenEffects xmlns="" xmlns:a14="http://schemas.microsoft.com/office/drawing/2010/main">
+              <a14:hiddenEffects xmlns:a14="http://schemas.microsoft.com/office/drawing/2010/main" xmlns="">
                 <a:effectLst>
                   <a:outerShdw dist="35921" dir="2700000" algn="ctr" rotWithShape="0">
                     <a:schemeClr val="bg2"/>
@@ -629,14 +629,14 @@
           <a:effectLst/>
           <a:extLst>
             <a:ext uri="{909E8E84-426E-40DD-AFC4-6F175D3DCCD1}">
-              <a14:hiddenFill xmlns="" xmlns:a14="http://schemas.microsoft.com/office/drawing/2010/main">
+              <a14:hiddenFill xmlns:a14="http://schemas.microsoft.com/office/drawing/2010/main" xmlns="">
                 <a:solidFill>
                   <a:schemeClr val="accent1"/>
                 </a:solidFill>
               </a14:hiddenFill>
             </a:ext>
             <a:ext uri="{91240B29-F687-4F45-9708-019B960494DF}">
-              <a14:hiddenLine xmlns="" xmlns:a14="http://schemas.microsoft.com/office/drawing/2010/main" w="9525">
+              <a14:hiddenLine xmlns:a14="http://schemas.microsoft.com/office/drawing/2010/main" xmlns="" w="9525">
                 <a:solidFill>
                   <a:schemeClr val="tx1"/>
                 </a:solidFill>
@@ -646,7 +646,7 @@
               </a14:hiddenLine>
             </a:ext>
             <a:ext uri="{AF507438-7753-43E0-B8FC-AC1667EBCBE1}">
-              <a14:hiddenEffects xmlns="" xmlns:a14="http://schemas.microsoft.com/office/drawing/2010/main">
+              <a14:hiddenEffects xmlns:a14="http://schemas.microsoft.com/office/drawing/2010/main" xmlns="">
                 <a:effectLst>
                   <a:outerShdw dist="35921" dir="2700000" algn="ctr" rotWithShape="0">
                     <a:schemeClr val="bg2"/>
@@ -705,14 +705,14 @@
           <a:effectLst/>
           <a:extLst>
             <a:ext uri="{909E8E84-426E-40DD-AFC4-6F175D3DCCD1}">
-              <a14:hiddenFill xmlns="" xmlns:a14="http://schemas.microsoft.com/office/drawing/2010/main">
+              <a14:hiddenFill xmlns:a14="http://schemas.microsoft.com/office/drawing/2010/main" xmlns="">
                 <a:solidFill>
                   <a:srgbClr val="FFFFFF"/>
                 </a:solidFill>
               </a14:hiddenFill>
             </a:ext>
             <a:ext uri="{AF507438-7753-43E0-B8FC-AC1667EBCBE1}">
-              <a14:hiddenEffects xmlns="" xmlns:a14="http://schemas.microsoft.com/office/drawing/2010/main">
+              <a14:hiddenEffects xmlns:a14="http://schemas.microsoft.com/office/drawing/2010/main" xmlns="">
                 <a:effectLst>
                   <a:outerShdw dist="35921" dir="2700000" algn="ctr" rotWithShape="0">
                     <a:srgbClr val="808080"/>
@@ -721,7 +721,7 @@
               </a14:hiddenEffects>
             </a:ext>
             <a:ext uri="{53640926-AAD7-44D8-BBD7-CCE9431645EC}">
-              <a14:shadowObscured xmlns="" xmlns:a14="http://schemas.microsoft.com/office/drawing/2010/main" val="1"/>
+              <a14:shadowObscured xmlns:a14="http://schemas.microsoft.com/office/drawing/2010/main" xmlns="" val="1"/>
             </a:ext>
           </a:extLst>
         </p:spPr>
@@ -751,14 +751,14 @@
           <a:effectLst/>
           <a:extLst>
             <a:ext uri="{909E8E84-426E-40DD-AFC4-6F175D3DCCD1}">
-              <a14:hiddenFill xmlns="" xmlns:a14="http://schemas.microsoft.com/office/drawing/2010/main">
+              <a14:hiddenFill xmlns:a14="http://schemas.microsoft.com/office/drawing/2010/main" xmlns="">
                 <a:solidFill>
                   <a:schemeClr val="accent1"/>
                 </a:solidFill>
               </a14:hiddenFill>
             </a:ext>
             <a:ext uri="{91240B29-F687-4F45-9708-019B960494DF}">
-              <a14:hiddenLine xmlns="" xmlns:a14="http://schemas.microsoft.com/office/drawing/2010/main" w="9525">
+              <a14:hiddenLine xmlns:a14="http://schemas.microsoft.com/office/drawing/2010/main" xmlns="" w="9525">
                 <a:solidFill>
                   <a:schemeClr val="tx1"/>
                 </a:solidFill>
@@ -768,7 +768,7 @@
               </a14:hiddenLine>
             </a:ext>
             <a:ext uri="{AF507438-7753-43E0-B8FC-AC1667EBCBE1}">
-              <a14:hiddenEffects xmlns="" xmlns:a14="http://schemas.microsoft.com/office/drawing/2010/main">
+              <a14:hiddenEffects xmlns:a14="http://schemas.microsoft.com/office/drawing/2010/main" xmlns="">
                 <a:effectLst>
                   <a:outerShdw dist="35921" dir="2700000" algn="ctr" rotWithShape="0">
                     <a:schemeClr val="bg2"/>
@@ -847,14 +847,14 @@
           <a:effectLst/>
           <a:extLst>
             <a:ext uri="{909E8E84-426E-40DD-AFC4-6F175D3DCCD1}">
-              <a14:hiddenFill xmlns="" xmlns:a14="http://schemas.microsoft.com/office/drawing/2010/main">
+              <a14:hiddenFill xmlns:a14="http://schemas.microsoft.com/office/drawing/2010/main" xmlns="">
                 <a:solidFill>
                   <a:schemeClr val="accent1"/>
                 </a:solidFill>
               </a14:hiddenFill>
             </a:ext>
             <a:ext uri="{91240B29-F687-4F45-9708-019B960494DF}">
-              <a14:hiddenLine xmlns="" xmlns:a14="http://schemas.microsoft.com/office/drawing/2010/main" w="9525">
+              <a14:hiddenLine xmlns:a14="http://schemas.microsoft.com/office/drawing/2010/main" xmlns="" w="9525">
                 <a:solidFill>
                   <a:schemeClr val="tx1"/>
                 </a:solidFill>
@@ -864,7 +864,7 @@
               </a14:hiddenLine>
             </a:ext>
             <a:ext uri="{AF507438-7753-43E0-B8FC-AC1667EBCBE1}">
-              <a14:hiddenEffects xmlns="" xmlns:a14="http://schemas.microsoft.com/office/drawing/2010/main">
+              <a14:hiddenEffects xmlns:a14="http://schemas.microsoft.com/office/drawing/2010/main" xmlns="">
                 <a:effectLst>
                   <a:outerShdw dist="35921" dir="2700000" algn="ctr" rotWithShape="0">
                     <a:schemeClr val="bg2"/>
@@ -918,14 +918,14 @@
           <a:effectLst/>
           <a:extLst>
             <a:ext uri="{909E8E84-426E-40DD-AFC4-6F175D3DCCD1}">
-              <a14:hiddenFill xmlns="" xmlns:a14="http://schemas.microsoft.com/office/drawing/2010/main">
+              <a14:hiddenFill xmlns:a14="http://schemas.microsoft.com/office/drawing/2010/main" xmlns="">
                 <a:solidFill>
                   <a:schemeClr val="accent1"/>
                 </a:solidFill>
               </a14:hiddenFill>
             </a:ext>
             <a:ext uri="{91240B29-F687-4F45-9708-019B960494DF}">
-              <a14:hiddenLine xmlns="" xmlns:a14="http://schemas.microsoft.com/office/drawing/2010/main" w="9525">
+              <a14:hiddenLine xmlns:a14="http://schemas.microsoft.com/office/drawing/2010/main" xmlns="" w="9525">
                 <a:solidFill>
                   <a:schemeClr val="tx1"/>
                 </a:solidFill>
@@ -935,7 +935,7 @@
               </a14:hiddenLine>
             </a:ext>
             <a:ext uri="{AF507438-7753-43E0-B8FC-AC1667EBCBE1}">
-              <a14:hiddenEffects xmlns="" xmlns:a14="http://schemas.microsoft.com/office/drawing/2010/main">
+              <a14:hiddenEffects xmlns:a14="http://schemas.microsoft.com/office/drawing/2010/main" xmlns="">
                 <a:effectLst>
                   <a:outerShdw dist="35921" dir="2700000" algn="ctr" rotWithShape="0">
                     <a:schemeClr val="bg2"/>
@@ -974,7 +974,7 @@
     </p:spTree>
     <p:extLst>
       <p:ext uri="{BB962C8B-B14F-4D97-AF65-F5344CB8AC3E}">
-        <p14:creationId xmlns="" xmlns:p14="http://schemas.microsoft.com/office/powerpoint/2010/main" val="2296488669"/>
+        <p14:creationId xmlns:p14="http://schemas.microsoft.com/office/powerpoint/2010/main" xmlns="" val="2296488669"/>
       </p:ext>
     </p:extLst>
   </p:cSld>
@@ -1284,7 +1284,7 @@
     </p:spTree>
     <p:extLst>
       <p:ext uri="{BB962C8B-B14F-4D97-AF65-F5344CB8AC3E}">
-        <p14:creationId xmlns="" xmlns:p14="http://schemas.microsoft.com/office/powerpoint/2010/main" val="1573384754"/>
+        <p14:creationId xmlns:p14="http://schemas.microsoft.com/office/powerpoint/2010/main" xmlns="" val="1573384754"/>
       </p:ext>
     </p:extLst>
   </p:cSld>
@@ -1424,7 +1424,7 @@
     </p:spTree>
     <p:extLst>
       <p:ext uri="{BB962C8B-B14F-4D97-AF65-F5344CB8AC3E}">
-        <p14:creationId xmlns="" xmlns:p14="http://schemas.microsoft.com/office/powerpoint/2010/main" val="4159202659"/>
+        <p14:creationId xmlns:p14="http://schemas.microsoft.com/office/powerpoint/2010/main" xmlns="" val="4159202659"/>
       </p:ext>
     </p:extLst>
   </p:cSld>
@@ -1514,7 +1514,7 @@
     </p:spTree>
     <p:extLst>
       <p:ext uri="{BB962C8B-B14F-4D97-AF65-F5344CB8AC3E}">
-        <p14:creationId xmlns="" xmlns:p14="http://schemas.microsoft.com/office/powerpoint/2010/main" val="3658401970"/>
+        <p14:creationId xmlns:p14="http://schemas.microsoft.com/office/powerpoint/2010/main" xmlns="" val="3658401970"/>
       </p:ext>
     </p:extLst>
   </p:cSld>
@@ -1578,7 +1578,7 @@
           <a:effectLst/>
           <a:extLst>
             <a:ext uri="{91240B29-F687-4F45-9708-019B960494DF}">
-              <a14:hiddenLine xmlns="" xmlns:a14="http://schemas.microsoft.com/office/drawing/2010/main" w="127">
+              <a14:hiddenLine xmlns:a14="http://schemas.microsoft.com/office/drawing/2010/main" xmlns="" w="127">
                 <a:solidFill>
                   <a:srgbClr val="000000"/>
                 </a:solidFill>
@@ -1588,7 +1588,7 @@
               </a14:hiddenLine>
             </a:ext>
             <a:ext uri="{AF507438-7753-43E0-B8FC-AC1667EBCBE1}">
-              <a14:hiddenEffects xmlns="" xmlns:a14="http://schemas.microsoft.com/office/drawing/2010/main">
+              <a14:hiddenEffects xmlns:a14="http://schemas.microsoft.com/office/drawing/2010/main" xmlns="">
                 <a:effectLst>
                   <a:outerShdw dist="35921" dir="2700000" algn="ctr" rotWithShape="0">
                     <a:schemeClr val="bg2"/>
@@ -1729,7 +1729,7 @@
           <a:effectLst/>
           <a:extLst>
             <a:ext uri="{91240B29-F687-4F45-9708-019B960494DF}">
-              <a14:hiddenLine xmlns="" xmlns:a14="http://schemas.microsoft.com/office/drawing/2010/main" w="127">
+              <a14:hiddenLine xmlns:a14="http://schemas.microsoft.com/office/drawing/2010/main" xmlns="" w="127">
                 <a:solidFill>
                   <a:srgbClr val="000000"/>
                 </a:solidFill>
@@ -1739,7 +1739,7 @@
               </a14:hiddenLine>
             </a:ext>
             <a:ext uri="{AF507438-7753-43E0-B8FC-AC1667EBCBE1}">
-              <a14:hiddenEffects xmlns="" xmlns:a14="http://schemas.microsoft.com/office/drawing/2010/main">
+              <a14:hiddenEffects xmlns:a14="http://schemas.microsoft.com/office/drawing/2010/main" xmlns="">
                 <a:effectLst>
                   <a:outerShdw dist="35921" dir="2700000" algn="ctr" rotWithShape="0">
                     <a:schemeClr val="bg2"/>
@@ -1970,7 +1970,7 @@
     </p:spTree>
     <p:extLst>
       <p:ext uri="{BB962C8B-B14F-4D97-AF65-F5344CB8AC3E}">
-        <p14:creationId xmlns="" xmlns:p14="http://schemas.microsoft.com/office/powerpoint/2010/main" val="222181993"/>
+        <p14:creationId xmlns:p14="http://schemas.microsoft.com/office/powerpoint/2010/main" xmlns="" val="222181993"/>
       </p:ext>
     </p:extLst>
   </p:cSld>
@@ -2110,7 +2110,7 @@
     </p:spTree>
     <p:extLst>
       <p:ext uri="{BB962C8B-B14F-4D97-AF65-F5344CB8AC3E}">
-        <p14:creationId xmlns="" xmlns:p14="http://schemas.microsoft.com/office/powerpoint/2010/main" val="2889292615"/>
+        <p14:creationId xmlns:p14="http://schemas.microsoft.com/office/powerpoint/2010/main" xmlns="" val="2889292615"/>
       </p:ext>
     </p:extLst>
   </p:cSld>
@@ -2260,7 +2260,7 @@
     </p:spTree>
     <p:extLst>
       <p:ext uri="{BB962C8B-B14F-4D97-AF65-F5344CB8AC3E}">
-        <p14:creationId xmlns="" xmlns:p14="http://schemas.microsoft.com/office/powerpoint/2010/main" val="826543229"/>
+        <p14:creationId xmlns:p14="http://schemas.microsoft.com/office/powerpoint/2010/main" xmlns="" val="826543229"/>
       </p:ext>
     </p:extLst>
   </p:cSld>
@@ -2400,7 +2400,7 @@
     </p:spTree>
     <p:extLst>
       <p:ext uri="{BB962C8B-B14F-4D97-AF65-F5344CB8AC3E}">
-        <p14:creationId xmlns="" xmlns:p14="http://schemas.microsoft.com/office/powerpoint/2010/main" val="1385358487"/>
+        <p14:creationId xmlns:p14="http://schemas.microsoft.com/office/powerpoint/2010/main" xmlns="" val="1385358487"/>
       </p:ext>
     </p:extLst>
   </p:cSld>
@@ -2562,7 +2562,7 @@
     </p:spTree>
     <p:extLst>
       <p:ext uri="{BB962C8B-B14F-4D97-AF65-F5344CB8AC3E}">
-        <p14:creationId xmlns="" xmlns:p14="http://schemas.microsoft.com/office/powerpoint/2010/main" val="3777516386"/>
+        <p14:creationId xmlns:p14="http://schemas.microsoft.com/office/powerpoint/2010/main" xmlns="" val="3777516386"/>
       </p:ext>
     </p:extLst>
   </p:cSld>
@@ -2820,7 +2820,7 @@
     </p:spTree>
     <p:extLst>
       <p:ext uri="{BB962C8B-B14F-4D97-AF65-F5344CB8AC3E}">
-        <p14:creationId xmlns="" xmlns:p14="http://schemas.microsoft.com/office/powerpoint/2010/main" val="2426564771"/>
+        <p14:creationId xmlns:p14="http://schemas.microsoft.com/office/powerpoint/2010/main" xmlns="" val="2426564771"/>
       </p:ext>
     </p:extLst>
   </p:cSld>
@@ -3217,7 +3217,7 @@
     </p:spTree>
     <p:extLst>
       <p:ext uri="{BB962C8B-B14F-4D97-AF65-F5344CB8AC3E}">
-        <p14:creationId xmlns="" xmlns:p14="http://schemas.microsoft.com/office/powerpoint/2010/main" val="2736834636"/>
+        <p14:creationId xmlns:p14="http://schemas.microsoft.com/office/powerpoint/2010/main" xmlns="" val="2736834636"/>
       </p:ext>
     </p:extLst>
   </p:cSld>
@@ -3305,7 +3305,7 @@
     </p:spTree>
     <p:extLst>
       <p:ext uri="{BB962C8B-B14F-4D97-AF65-F5344CB8AC3E}">
-        <p14:creationId xmlns="" xmlns:p14="http://schemas.microsoft.com/office/powerpoint/2010/main" val="435496785"/>
+        <p14:creationId xmlns:p14="http://schemas.microsoft.com/office/powerpoint/2010/main" xmlns="" val="435496785"/>
       </p:ext>
     </p:extLst>
   </p:cSld>
@@ -3370,7 +3370,7 @@
     </p:spTree>
     <p:extLst>
       <p:ext uri="{BB962C8B-B14F-4D97-AF65-F5344CB8AC3E}">
-        <p14:creationId xmlns="" xmlns:p14="http://schemas.microsoft.com/office/powerpoint/2010/main" val="4201488709"/>
+        <p14:creationId xmlns:p14="http://schemas.microsoft.com/office/powerpoint/2010/main" xmlns="" val="4201488709"/>
       </p:ext>
     </p:extLst>
   </p:cSld>
@@ -3617,7 +3617,7 @@
     </p:spTree>
     <p:extLst>
       <p:ext uri="{BB962C8B-B14F-4D97-AF65-F5344CB8AC3E}">
-        <p14:creationId xmlns="" xmlns:p14="http://schemas.microsoft.com/office/powerpoint/2010/main" val="845172363"/>
+        <p14:creationId xmlns:p14="http://schemas.microsoft.com/office/powerpoint/2010/main" xmlns="" val="845172363"/>
       </p:ext>
     </p:extLst>
   </p:cSld>
@@ -3841,7 +3841,7 @@
     </p:spTree>
     <p:extLst>
       <p:ext uri="{BB962C8B-B14F-4D97-AF65-F5344CB8AC3E}">
-        <p14:creationId xmlns="" xmlns:p14="http://schemas.microsoft.com/office/powerpoint/2010/main" val="2443635106"/>
+        <p14:creationId xmlns:p14="http://schemas.microsoft.com/office/powerpoint/2010/main" xmlns="" val="2443635106"/>
       </p:ext>
     </p:extLst>
   </p:cSld>
@@ -3905,14 +3905,14 @@
           <a:effectLst/>
           <a:extLst>
             <a:ext uri="{909E8E84-426E-40DD-AFC4-6F175D3DCCD1}">
-              <a14:hiddenFill xmlns="" xmlns:a14="http://schemas.microsoft.com/office/drawing/2010/main">
+              <a14:hiddenFill xmlns:a14="http://schemas.microsoft.com/office/drawing/2010/main" xmlns="">
                 <a:solidFill>
                   <a:schemeClr val="accent1"/>
                 </a:solidFill>
               </a14:hiddenFill>
             </a:ext>
             <a:ext uri="{91240B29-F687-4F45-9708-019B960494DF}">
-              <a14:hiddenLine xmlns="" xmlns:a14="http://schemas.microsoft.com/office/drawing/2010/main" w="9525">
+              <a14:hiddenLine xmlns:a14="http://schemas.microsoft.com/office/drawing/2010/main" xmlns="" w="9525">
                 <a:solidFill>
                   <a:schemeClr val="tx1"/>
                 </a:solidFill>
@@ -3922,7 +3922,7 @@
               </a14:hiddenLine>
             </a:ext>
             <a:ext uri="{AF507438-7753-43E0-B8FC-AC1667EBCBE1}">
-              <a14:hiddenEffects xmlns="" xmlns:a14="http://schemas.microsoft.com/office/drawing/2010/main">
+              <a14:hiddenEffects xmlns:a14="http://schemas.microsoft.com/office/drawing/2010/main" xmlns="">
                 <a:effectLst>
                   <a:outerShdw dist="35921" dir="2700000" algn="ctr" rotWithShape="0">
                     <a:schemeClr val="bg2"/>
@@ -3973,14 +3973,14 @@
           <a:effectLst/>
           <a:extLst>
             <a:ext uri="{909E8E84-426E-40DD-AFC4-6F175D3DCCD1}">
-              <a14:hiddenFill xmlns="" xmlns:a14="http://schemas.microsoft.com/office/drawing/2010/main">
+              <a14:hiddenFill xmlns:a14="http://schemas.microsoft.com/office/drawing/2010/main" xmlns="">
                 <a:solidFill>
                   <a:schemeClr val="accent1"/>
                 </a:solidFill>
               </a14:hiddenFill>
             </a:ext>
             <a:ext uri="{91240B29-F687-4F45-9708-019B960494DF}">
-              <a14:hiddenLine xmlns="" xmlns:a14="http://schemas.microsoft.com/office/drawing/2010/main" w="9525">
+              <a14:hiddenLine xmlns:a14="http://schemas.microsoft.com/office/drawing/2010/main" xmlns="" w="9525">
                 <a:solidFill>
                   <a:schemeClr val="tx1"/>
                 </a:solidFill>
@@ -3990,7 +3990,7 @@
               </a14:hiddenLine>
             </a:ext>
             <a:ext uri="{AF507438-7753-43E0-B8FC-AC1667EBCBE1}">
-              <a14:hiddenEffects xmlns="" xmlns:a14="http://schemas.microsoft.com/office/drawing/2010/main">
+              <a14:hiddenEffects xmlns:a14="http://schemas.microsoft.com/office/drawing/2010/main" xmlns="">
                 <a:effectLst>
                   <a:outerShdw dist="35921" dir="2700000" algn="ctr" rotWithShape="0">
                     <a:schemeClr val="bg2"/>
@@ -4069,14 +4069,14 @@
           <a:effectLst/>
           <a:extLst>
             <a:ext uri="{909E8E84-426E-40DD-AFC4-6F175D3DCCD1}">
-              <a14:hiddenFill xmlns="" xmlns:a14="http://schemas.microsoft.com/office/drawing/2010/main">
+              <a14:hiddenFill xmlns:a14="http://schemas.microsoft.com/office/drawing/2010/main" xmlns="">
                 <a:solidFill>
                   <a:schemeClr val="accent1"/>
                 </a:solidFill>
               </a14:hiddenFill>
             </a:ext>
             <a:ext uri="{91240B29-F687-4F45-9708-019B960494DF}">
-              <a14:hiddenLine xmlns="" xmlns:a14="http://schemas.microsoft.com/office/drawing/2010/main" w="9525">
+              <a14:hiddenLine xmlns:a14="http://schemas.microsoft.com/office/drawing/2010/main" xmlns="" w="9525">
                 <a:solidFill>
                   <a:schemeClr val="tx1"/>
                 </a:solidFill>
@@ -4086,7 +4086,7 @@
               </a14:hiddenLine>
             </a:ext>
             <a:ext uri="{AF507438-7753-43E0-B8FC-AC1667EBCBE1}">
-              <a14:hiddenEffects xmlns="" xmlns:a14="http://schemas.microsoft.com/office/drawing/2010/main">
+              <a14:hiddenEffects xmlns:a14="http://schemas.microsoft.com/office/drawing/2010/main" xmlns="">
                 <a:effectLst>
                   <a:outerShdw dist="35921" dir="2700000" algn="ctr" rotWithShape="0">
                     <a:schemeClr val="bg2"/>
@@ -4618,14 +4618,14 @@
           <a:effectLst/>
           <a:extLst>
             <a:ext uri="{909E8E84-426E-40DD-AFC4-6F175D3DCCD1}">
-              <a14:hiddenFill xmlns="" xmlns:a14="http://schemas.microsoft.com/office/drawing/2010/main">
+              <a14:hiddenFill xmlns:a14="http://schemas.microsoft.com/office/drawing/2010/main" xmlns="">
                 <a:solidFill>
                   <a:schemeClr val="accent1"/>
                 </a:solidFill>
               </a14:hiddenFill>
             </a:ext>
             <a:ext uri="{91240B29-F687-4F45-9708-019B960494DF}">
-              <a14:hiddenLine xmlns="" xmlns:a14="http://schemas.microsoft.com/office/drawing/2010/main" w="127">
+              <a14:hiddenLine xmlns:a14="http://schemas.microsoft.com/office/drawing/2010/main" xmlns="" w="127">
                 <a:solidFill>
                   <a:schemeClr val="tx1"/>
                 </a:solidFill>
@@ -4635,7 +4635,7 @@
               </a14:hiddenLine>
             </a:ext>
             <a:ext uri="{AF507438-7753-43E0-B8FC-AC1667EBCBE1}">
-              <a14:hiddenEffects xmlns="" xmlns:a14="http://schemas.microsoft.com/office/drawing/2010/main">
+              <a14:hiddenEffects xmlns:a14="http://schemas.microsoft.com/office/drawing/2010/main" xmlns="">
                 <a:effectLst>
                   <a:outerShdw dist="35921" dir="2700000" algn="ctr" rotWithShape="0">
                     <a:schemeClr val="bg2"/>
@@ -4856,7 +4856,7 @@
           <p:nvPr>
             <p:extLst>
               <p:ext uri="{D42A27DB-BD31-4B8C-83A1-F6EECF244321}">
-                <p14:modId xmlns="" xmlns:p14="http://schemas.microsoft.com/office/powerpoint/2010/main" val="3174850402"/>
+                <p14:modId xmlns:p14="http://schemas.microsoft.com/office/powerpoint/2010/main" xmlns="" val="3174850402"/>
               </p:ext>
             </p:extLst>
           </p:nvPr>
@@ -5429,14 +5429,14 @@
           <a:effectLst/>
           <a:extLst>
             <a:ext uri="{909E8E84-426E-40DD-AFC4-6F175D3DCCD1}">
-              <a14:hiddenFill xmlns="" xmlns:a14="http://schemas.microsoft.com/office/drawing/2010/main">
+              <a14:hiddenFill xmlns:a14="http://schemas.microsoft.com/office/drawing/2010/main" xmlns="">
                 <a:solidFill>
                   <a:schemeClr val="accent1"/>
                 </a:solidFill>
               </a14:hiddenFill>
             </a:ext>
             <a:ext uri="{91240B29-F687-4F45-9708-019B960494DF}">
-              <a14:hiddenLine xmlns="" xmlns:a14="http://schemas.microsoft.com/office/drawing/2010/main" w="9525">
+              <a14:hiddenLine xmlns:a14="http://schemas.microsoft.com/office/drawing/2010/main" xmlns="" w="9525">
                 <a:solidFill>
                   <a:schemeClr val="tx1"/>
                 </a:solidFill>
@@ -5446,7 +5446,7 @@
               </a14:hiddenLine>
             </a:ext>
             <a:ext uri="{AF507438-7753-43E0-B8FC-AC1667EBCBE1}">
-              <a14:hiddenEffects xmlns="" xmlns:a14="http://schemas.microsoft.com/office/drawing/2010/main">
+              <a14:hiddenEffects xmlns:a14="http://schemas.microsoft.com/office/drawing/2010/main" xmlns="">
                 <a:effectLst>
                   <a:outerShdw dist="35921" dir="2700000" algn="ctr" rotWithShape="0">
                     <a:schemeClr val="bg2"/>
@@ -6230,14 +6230,14 @@
           <a:effectLst/>
           <a:extLst>
             <a:ext uri="{909E8E84-426E-40DD-AFC4-6F175D3DCCD1}">
-              <a14:hiddenFill xmlns="" xmlns:a14="http://schemas.microsoft.com/office/drawing/2010/main">
+              <a14:hiddenFill xmlns:a14="http://schemas.microsoft.com/office/drawing/2010/main" xmlns="">
                 <a:solidFill>
                   <a:schemeClr val="accent1"/>
                 </a:solidFill>
               </a14:hiddenFill>
             </a:ext>
             <a:ext uri="{91240B29-F687-4F45-9708-019B960494DF}">
-              <a14:hiddenLine xmlns="" xmlns:a14="http://schemas.microsoft.com/office/drawing/2010/main" w="9525">
+              <a14:hiddenLine xmlns:a14="http://schemas.microsoft.com/office/drawing/2010/main" xmlns="" w="9525">
                 <a:solidFill>
                   <a:schemeClr val="tx1"/>
                 </a:solidFill>
@@ -6247,7 +6247,7 @@
               </a14:hiddenLine>
             </a:ext>
             <a:ext uri="{AF507438-7753-43E0-B8FC-AC1667EBCBE1}">
-              <a14:hiddenEffects xmlns="" xmlns:a14="http://schemas.microsoft.com/office/drawing/2010/main">
+              <a14:hiddenEffects xmlns:a14="http://schemas.microsoft.com/office/drawing/2010/main" xmlns="">
                 <a:effectLst>
                   <a:outerShdw dist="35921" dir="2700000" algn="ctr" rotWithShape="0">
                     <a:schemeClr val="bg2"/>
@@ -7091,7 +7091,7 @@
     </p:spTree>
     <p:extLst>
       <p:ext uri="{BB962C8B-B14F-4D97-AF65-F5344CB8AC3E}">
-        <p14:creationId xmlns="" xmlns:p14="http://schemas.microsoft.com/office/powerpoint/2010/main" val="1704458917"/>
+        <p14:creationId xmlns:p14="http://schemas.microsoft.com/office/powerpoint/2010/main" xmlns="" val="1704458917"/>
       </p:ext>
     </p:extLst>
   </p:cSld>
@@ -7220,7 +7220,7 @@
     </p:spTree>
     <p:extLst>
       <p:ext uri="{BB962C8B-B14F-4D97-AF65-F5344CB8AC3E}">
-        <p14:creationId xmlns="" xmlns:p14="http://schemas.microsoft.com/office/powerpoint/2010/main" val="1617063384"/>
+        <p14:creationId xmlns:p14="http://schemas.microsoft.com/office/powerpoint/2010/main" xmlns="" val="1617063384"/>
       </p:ext>
     </p:extLst>
   </p:cSld>
@@ -7995,7 +7995,7 @@
           <a:blip r:embed="rId2" cstate="print">
             <a:extLst>
               <a:ext uri="{28A0092B-C50C-407E-A947-70E740481C1C}">
-                <a14:useLocalDpi xmlns="" xmlns:a14="http://schemas.microsoft.com/office/drawing/2010/main" val="0"/>
+                <a14:useLocalDpi xmlns:a14="http://schemas.microsoft.com/office/drawing/2010/main" xmlns="" val="0"/>
               </a:ext>
             </a:extLst>
           </a:blip>
@@ -8018,14 +8018,14 @@
           </a:ln>
           <a:extLst>
             <a:ext uri="{909E8E84-426E-40DD-AFC4-6F175D3DCCD1}">
-              <a14:hiddenFill xmlns="" xmlns:a14="http://schemas.microsoft.com/office/drawing/2010/main">
+              <a14:hiddenFill xmlns:a14="http://schemas.microsoft.com/office/drawing/2010/main" xmlns="">
                 <a:solidFill>
                   <a:schemeClr val="accent1"/>
                 </a:solidFill>
               </a14:hiddenFill>
             </a:ext>
             <a:ext uri="{91240B29-F687-4F45-9708-019B960494DF}">
-              <a14:hiddenLine xmlns="" xmlns:a14="http://schemas.microsoft.com/office/drawing/2010/main" w="9525">
+              <a14:hiddenLine xmlns:a14="http://schemas.microsoft.com/office/drawing/2010/main" xmlns="" w="9525">
                 <a:solidFill>
                   <a:schemeClr val="tx1"/>
                 </a:solidFill>
@@ -8049,7 +8049,7 @@
           <a:blip r:embed="rId3" cstate="print">
             <a:extLst>
               <a:ext uri="{28A0092B-C50C-407E-A947-70E740481C1C}">
-                <a14:useLocalDpi xmlns="" xmlns:a14="http://schemas.microsoft.com/office/drawing/2010/main" val="0"/>
+                <a14:useLocalDpi xmlns:a14="http://schemas.microsoft.com/office/drawing/2010/main" xmlns="" val="0"/>
               </a:ext>
             </a:extLst>
           </a:blip>
@@ -8072,14 +8072,14 @@
           </a:ln>
           <a:extLst>
             <a:ext uri="{909E8E84-426E-40DD-AFC4-6F175D3DCCD1}">
-              <a14:hiddenFill xmlns="" xmlns:a14="http://schemas.microsoft.com/office/drawing/2010/main">
+              <a14:hiddenFill xmlns:a14="http://schemas.microsoft.com/office/drawing/2010/main" xmlns="">
                 <a:solidFill>
                   <a:schemeClr val="accent1"/>
                 </a:solidFill>
               </a14:hiddenFill>
             </a:ext>
             <a:ext uri="{91240B29-F687-4F45-9708-019B960494DF}">
-              <a14:hiddenLine xmlns="" xmlns:a14="http://schemas.microsoft.com/office/drawing/2010/main" w="9525">
+              <a14:hiddenLine xmlns:a14="http://schemas.microsoft.com/office/drawing/2010/main" xmlns="" w="9525">
                 <a:solidFill>
                   <a:schemeClr val="tx1"/>
                 </a:solidFill>
@@ -8124,7 +8124,7 @@
     </p:spTree>
     <p:extLst>
       <p:ext uri="{BB962C8B-B14F-4D97-AF65-F5344CB8AC3E}">
-        <p14:creationId xmlns="" xmlns:p14="http://schemas.microsoft.com/office/powerpoint/2010/main" val="2991896681"/>
+        <p14:creationId xmlns:p14="http://schemas.microsoft.com/office/powerpoint/2010/main" xmlns="" val="2991896681"/>
       </p:ext>
     </p:extLst>
   </p:cSld>
@@ -8227,7 +8227,7 @@
           <a:blip r:embed="rId2" cstate="print">
             <a:extLst>
               <a:ext uri="{28A0092B-C50C-407E-A947-70E740481C1C}">
-                <a14:useLocalDpi xmlns="" xmlns:a14="http://schemas.microsoft.com/office/drawing/2010/main" val="0"/>
+                <a14:useLocalDpi xmlns:a14="http://schemas.microsoft.com/office/drawing/2010/main" xmlns="" val="0"/>
               </a:ext>
             </a:extLst>
           </a:blip>
@@ -8247,7 +8247,7 @@
           <a:noFill/>
           <a:extLst>
             <a:ext uri="{909E8E84-426E-40DD-AFC4-6F175D3DCCD1}">
-              <a14:hiddenFill xmlns="" xmlns:a14="http://schemas.microsoft.com/office/drawing/2010/main">
+              <a14:hiddenFill xmlns:a14="http://schemas.microsoft.com/office/drawing/2010/main" xmlns="">
                 <a:solidFill>
                   <a:srgbClr val="FFFFFF"/>
                 </a:solidFill>
@@ -8268,7 +8268,7 @@
           <a:blip r:embed="rId3" cstate="print">
             <a:extLst>
               <a:ext uri="{28A0092B-C50C-407E-A947-70E740481C1C}">
-                <a14:useLocalDpi xmlns="" xmlns:a14="http://schemas.microsoft.com/office/drawing/2010/main" val="0"/>
+                <a14:useLocalDpi xmlns:a14="http://schemas.microsoft.com/office/drawing/2010/main" xmlns="" val="0"/>
               </a:ext>
             </a:extLst>
           </a:blip>
@@ -8291,14 +8291,14 @@
           </a:ln>
           <a:extLst>
             <a:ext uri="{909E8E84-426E-40DD-AFC4-6F175D3DCCD1}">
-              <a14:hiddenFill xmlns="" xmlns:a14="http://schemas.microsoft.com/office/drawing/2010/main">
+              <a14:hiddenFill xmlns:a14="http://schemas.microsoft.com/office/drawing/2010/main" xmlns="">
                 <a:solidFill>
                   <a:schemeClr val="accent1"/>
                 </a:solidFill>
               </a14:hiddenFill>
             </a:ext>
             <a:ext uri="{91240B29-F687-4F45-9708-019B960494DF}">
-              <a14:hiddenLine xmlns="" xmlns:a14="http://schemas.microsoft.com/office/drawing/2010/main" w="9525">
+              <a14:hiddenLine xmlns:a14="http://schemas.microsoft.com/office/drawing/2010/main" xmlns="" w="9525">
                 <a:solidFill>
                   <a:schemeClr val="tx1"/>
                 </a:solidFill>
@@ -8322,7 +8322,7 @@
           <a:blip r:embed="rId4" cstate="print">
             <a:extLst>
               <a:ext uri="{28A0092B-C50C-407E-A947-70E740481C1C}">
-                <a14:useLocalDpi xmlns="" xmlns:a14="http://schemas.microsoft.com/office/drawing/2010/main" val="0"/>
+                <a14:useLocalDpi xmlns:a14="http://schemas.microsoft.com/office/drawing/2010/main" xmlns="" val="0"/>
               </a:ext>
             </a:extLst>
           </a:blip>
@@ -8345,14 +8345,14 @@
           </a:ln>
           <a:extLst>
             <a:ext uri="{909E8E84-426E-40DD-AFC4-6F175D3DCCD1}">
-              <a14:hiddenFill xmlns="" xmlns:a14="http://schemas.microsoft.com/office/drawing/2010/main">
+              <a14:hiddenFill xmlns:a14="http://schemas.microsoft.com/office/drawing/2010/main" xmlns="">
                 <a:solidFill>
                   <a:schemeClr val="accent1"/>
                 </a:solidFill>
               </a14:hiddenFill>
             </a:ext>
             <a:ext uri="{91240B29-F687-4F45-9708-019B960494DF}">
-              <a14:hiddenLine xmlns="" xmlns:a14="http://schemas.microsoft.com/office/drawing/2010/main" w="9525">
+              <a14:hiddenLine xmlns:a14="http://schemas.microsoft.com/office/drawing/2010/main" xmlns="" w="9525">
                 <a:solidFill>
                   <a:schemeClr val="tx1"/>
                 </a:solidFill>
@@ -9131,7 +9131,7 @@
     </p:spTree>
     <p:extLst>
       <p:ext uri="{BB962C8B-B14F-4D97-AF65-F5344CB8AC3E}">
-        <p14:creationId xmlns="" xmlns:p14="http://schemas.microsoft.com/office/powerpoint/2010/main" val="438646748"/>
+        <p14:creationId xmlns:p14="http://schemas.microsoft.com/office/powerpoint/2010/main" xmlns="" val="438646748"/>
       </p:ext>
     </p:extLst>
   </p:cSld>
@@ -9236,7 +9236,7 @@
     </p:spTree>
     <p:extLst>
       <p:ext uri="{BB962C8B-B14F-4D97-AF65-F5344CB8AC3E}">
-        <p14:creationId xmlns="" xmlns:p14="http://schemas.microsoft.com/office/powerpoint/2010/main" val="24859684"/>
+        <p14:creationId xmlns:p14="http://schemas.microsoft.com/office/powerpoint/2010/main" xmlns="" val="24859684"/>
       </p:ext>
     </p:extLst>
   </p:cSld>
@@ -9327,7 +9327,7 @@
           <a:blip r:embed="rId2" cstate="print">
             <a:extLst>
               <a:ext uri="{28A0092B-C50C-407E-A947-70E740481C1C}">
-                <a14:useLocalDpi xmlns="" xmlns:a14="http://schemas.microsoft.com/office/drawing/2010/main" val="0"/>
+                <a14:useLocalDpi xmlns:a14="http://schemas.microsoft.com/office/drawing/2010/main" xmlns="" val="0"/>
               </a:ext>
             </a:extLst>
           </a:blip>
@@ -9347,7 +9347,7 @@
           <a:noFill/>
           <a:extLst>
             <a:ext uri="{909E8E84-426E-40DD-AFC4-6F175D3DCCD1}">
-              <a14:hiddenFill xmlns="" xmlns:a14="http://schemas.microsoft.com/office/drawing/2010/main">
+              <a14:hiddenFill xmlns:a14="http://schemas.microsoft.com/office/drawing/2010/main" xmlns="">
                 <a:solidFill>
                   <a:srgbClr val="FFFFFF"/>
                 </a:solidFill>
@@ -9368,7 +9368,7 @@
           <a:blip r:embed="rId3" cstate="print">
             <a:extLst>
               <a:ext uri="{28A0092B-C50C-407E-A947-70E740481C1C}">
-                <a14:useLocalDpi xmlns="" xmlns:a14="http://schemas.microsoft.com/office/drawing/2010/main" val="0"/>
+                <a14:useLocalDpi xmlns:a14="http://schemas.microsoft.com/office/drawing/2010/main" xmlns="" val="0"/>
               </a:ext>
             </a:extLst>
           </a:blip>
@@ -9388,7 +9388,7 @@
           <a:noFill/>
           <a:extLst>
             <a:ext uri="{909E8E84-426E-40DD-AFC4-6F175D3DCCD1}">
-              <a14:hiddenFill xmlns="" xmlns:a14="http://schemas.microsoft.com/office/drawing/2010/main">
+              <a14:hiddenFill xmlns:a14="http://schemas.microsoft.com/office/drawing/2010/main" xmlns="">
                 <a:solidFill>
                   <a:srgbClr val="FFFFFF"/>
                 </a:solidFill>
@@ -9409,7 +9409,7 @@
           <a:blip r:embed="rId4" cstate="print">
             <a:extLst>
               <a:ext uri="{28A0092B-C50C-407E-A947-70E740481C1C}">
-                <a14:useLocalDpi xmlns="" xmlns:a14="http://schemas.microsoft.com/office/drawing/2010/main" val="0"/>
+                <a14:useLocalDpi xmlns:a14="http://schemas.microsoft.com/office/drawing/2010/main" xmlns="" val="0"/>
               </a:ext>
             </a:extLst>
           </a:blip>
@@ -9429,7 +9429,7 @@
           <a:noFill/>
           <a:extLst>
             <a:ext uri="{909E8E84-426E-40DD-AFC4-6F175D3DCCD1}">
-              <a14:hiddenFill xmlns="" xmlns:a14="http://schemas.microsoft.com/office/drawing/2010/main">
+              <a14:hiddenFill xmlns:a14="http://schemas.microsoft.com/office/drawing/2010/main" xmlns="">
                 <a:solidFill>
                   <a:srgbClr val="FFFFFF"/>
                 </a:solidFill>
@@ -9509,7 +9509,7 @@
           <a:blip r:embed="rId5" cstate="print">
             <a:extLst>
               <a:ext uri="{28A0092B-C50C-407E-A947-70E740481C1C}">
-                <a14:useLocalDpi xmlns="" xmlns:a14="http://schemas.microsoft.com/office/drawing/2010/main" val="0"/>
+                <a14:useLocalDpi xmlns:a14="http://schemas.microsoft.com/office/drawing/2010/main" xmlns="" val="0"/>
               </a:ext>
             </a:extLst>
           </a:blip>
@@ -9529,7 +9529,7 @@
           <a:noFill/>
           <a:extLst>
             <a:ext uri="{909E8E84-426E-40DD-AFC4-6F175D3DCCD1}">
-              <a14:hiddenFill xmlns="" xmlns:a14="http://schemas.microsoft.com/office/drawing/2010/main">
+              <a14:hiddenFill xmlns:a14="http://schemas.microsoft.com/office/drawing/2010/main" xmlns="">
                 <a:solidFill>
                   <a:srgbClr val="FFFFFF"/>
                 </a:solidFill>
@@ -9715,7 +9715,7 @@
     </p:spTree>
     <p:extLst>
       <p:ext uri="{BB962C8B-B14F-4D97-AF65-F5344CB8AC3E}">
-        <p14:creationId xmlns="" xmlns:p14="http://schemas.microsoft.com/office/powerpoint/2010/main" val="209369303"/>
+        <p14:creationId xmlns:p14="http://schemas.microsoft.com/office/powerpoint/2010/main" xmlns="" val="209369303"/>
       </p:ext>
     </p:extLst>
   </p:cSld>
@@ -9813,7 +9813,7 @@
           <a:blip r:embed="rId2" cstate="print">
             <a:extLst>
               <a:ext uri="{28A0092B-C50C-407E-A947-70E740481C1C}">
-                <a14:useLocalDpi xmlns="" xmlns:a14="http://schemas.microsoft.com/office/drawing/2010/main" val="0"/>
+                <a14:useLocalDpi xmlns:a14="http://schemas.microsoft.com/office/drawing/2010/main" xmlns="" val="0"/>
               </a:ext>
             </a:extLst>
           </a:blip>
@@ -9836,14 +9836,14 @@
           </a:ln>
           <a:extLst>
             <a:ext uri="{909E8E84-426E-40DD-AFC4-6F175D3DCCD1}">
-              <a14:hiddenFill xmlns="" xmlns:a14="http://schemas.microsoft.com/office/drawing/2010/main">
+              <a14:hiddenFill xmlns:a14="http://schemas.microsoft.com/office/drawing/2010/main" xmlns="">
                 <a:solidFill>
                   <a:schemeClr val="accent1"/>
                 </a:solidFill>
               </a14:hiddenFill>
             </a:ext>
             <a:ext uri="{91240B29-F687-4F45-9708-019B960494DF}">
-              <a14:hiddenLine xmlns="" xmlns:a14="http://schemas.microsoft.com/office/drawing/2010/main" w="9525">
+              <a14:hiddenLine xmlns:a14="http://schemas.microsoft.com/office/drawing/2010/main" xmlns="" w="9525">
                 <a:solidFill>
                   <a:schemeClr val="tx1"/>
                 </a:solidFill>
@@ -9867,7 +9867,7 @@
           <a:blip r:embed="rId3" cstate="print">
             <a:extLst>
               <a:ext uri="{28A0092B-C50C-407E-A947-70E740481C1C}">
-                <a14:useLocalDpi xmlns="" xmlns:a14="http://schemas.microsoft.com/office/drawing/2010/main" val="0"/>
+                <a14:useLocalDpi xmlns:a14="http://schemas.microsoft.com/office/drawing/2010/main" xmlns="" val="0"/>
               </a:ext>
             </a:extLst>
           </a:blip>
@@ -9890,14 +9890,14 @@
           </a:ln>
           <a:extLst>
             <a:ext uri="{909E8E84-426E-40DD-AFC4-6F175D3DCCD1}">
-              <a14:hiddenFill xmlns="" xmlns:a14="http://schemas.microsoft.com/office/drawing/2010/main">
+              <a14:hiddenFill xmlns:a14="http://schemas.microsoft.com/office/drawing/2010/main" xmlns="">
                 <a:solidFill>
                   <a:schemeClr val="accent1"/>
                 </a:solidFill>
               </a14:hiddenFill>
             </a:ext>
             <a:ext uri="{91240B29-F687-4F45-9708-019B960494DF}">
-              <a14:hiddenLine xmlns="" xmlns:a14="http://schemas.microsoft.com/office/drawing/2010/main" w="9525">
+              <a14:hiddenLine xmlns:a14="http://schemas.microsoft.com/office/drawing/2010/main" xmlns="" w="9525">
                 <a:solidFill>
                   <a:schemeClr val="tx1"/>
                 </a:solidFill>
@@ -9921,7 +9921,7 @@
           <a:blip r:embed="rId4" cstate="print">
             <a:extLst>
               <a:ext uri="{28A0092B-C50C-407E-A947-70E740481C1C}">
-                <a14:useLocalDpi xmlns="" xmlns:a14="http://schemas.microsoft.com/office/drawing/2010/main" val="0"/>
+                <a14:useLocalDpi xmlns:a14="http://schemas.microsoft.com/office/drawing/2010/main" xmlns="" val="0"/>
               </a:ext>
             </a:extLst>
           </a:blip>
@@ -9944,14 +9944,14 @@
           </a:ln>
           <a:extLst>
             <a:ext uri="{909E8E84-426E-40DD-AFC4-6F175D3DCCD1}">
-              <a14:hiddenFill xmlns="" xmlns:a14="http://schemas.microsoft.com/office/drawing/2010/main">
+              <a14:hiddenFill xmlns:a14="http://schemas.microsoft.com/office/drawing/2010/main" xmlns="">
                 <a:solidFill>
                   <a:schemeClr val="accent1"/>
                 </a:solidFill>
               </a14:hiddenFill>
             </a:ext>
             <a:ext uri="{91240B29-F687-4F45-9708-019B960494DF}">
-              <a14:hiddenLine xmlns="" xmlns:a14="http://schemas.microsoft.com/office/drawing/2010/main" w="9525">
+              <a14:hiddenLine xmlns:a14="http://schemas.microsoft.com/office/drawing/2010/main" xmlns="" w="9525">
                 <a:solidFill>
                   <a:schemeClr val="tx1"/>
                 </a:solidFill>
@@ -9975,7 +9975,7 @@
           <a:blip r:embed="rId5" cstate="print">
             <a:extLst>
               <a:ext uri="{28A0092B-C50C-407E-A947-70E740481C1C}">
-                <a14:useLocalDpi xmlns="" xmlns:a14="http://schemas.microsoft.com/office/drawing/2010/main" val="0"/>
+                <a14:useLocalDpi xmlns:a14="http://schemas.microsoft.com/office/drawing/2010/main" xmlns="" val="0"/>
               </a:ext>
             </a:extLst>
           </a:blip>
@@ -9998,14 +9998,14 @@
           </a:ln>
           <a:extLst>
             <a:ext uri="{909E8E84-426E-40DD-AFC4-6F175D3DCCD1}">
-              <a14:hiddenFill xmlns="" xmlns:a14="http://schemas.microsoft.com/office/drawing/2010/main">
+              <a14:hiddenFill xmlns:a14="http://schemas.microsoft.com/office/drawing/2010/main" xmlns="">
                 <a:solidFill>
                   <a:schemeClr val="accent1"/>
                 </a:solidFill>
               </a14:hiddenFill>
             </a:ext>
             <a:ext uri="{91240B29-F687-4F45-9708-019B960494DF}">
-              <a14:hiddenLine xmlns="" xmlns:a14="http://schemas.microsoft.com/office/drawing/2010/main" w="9525">
+              <a14:hiddenLine xmlns:a14="http://schemas.microsoft.com/office/drawing/2010/main" xmlns="" w="9525">
                 <a:solidFill>
                   <a:schemeClr val="tx1"/>
                 </a:solidFill>
@@ -10110,7 +10110,7 @@
     </p:spTree>
     <p:extLst>
       <p:ext uri="{BB962C8B-B14F-4D97-AF65-F5344CB8AC3E}">
-        <p14:creationId xmlns="" xmlns:p14="http://schemas.microsoft.com/office/powerpoint/2010/main" val="1264018979"/>
+        <p14:creationId xmlns:p14="http://schemas.microsoft.com/office/powerpoint/2010/main" xmlns="" val="1264018979"/>
       </p:ext>
     </p:extLst>
   </p:cSld>
@@ -10268,7 +10268,7 @@
           <a:blip r:embed="rId2" cstate="print">
             <a:extLst>
               <a:ext uri="{28A0092B-C50C-407E-A947-70E740481C1C}">
-                <a14:useLocalDpi xmlns="" xmlns:a14="http://schemas.microsoft.com/office/drawing/2010/main" val="0"/>
+                <a14:useLocalDpi xmlns:a14="http://schemas.microsoft.com/office/drawing/2010/main" xmlns="" val="0"/>
               </a:ext>
             </a:extLst>
           </a:blip>
@@ -10291,14 +10291,14 @@
           </a:ln>
           <a:extLst>
             <a:ext uri="{909E8E84-426E-40DD-AFC4-6F175D3DCCD1}">
-              <a14:hiddenFill xmlns="" xmlns:a14="http://schemas.microsoft.com/office/drawing/2010/main">
+              <a14:hiddenFill xmlns:a14="http://schemas.microsoft.com/office/drawing/2010/main" xmlns="">
                 <a:solidFill>
                   <a:schemeClr val="accent1"/>
                 </a:solidFill>
               </a14:hiddenFill>
             </a:ext>
             <a:ext uri="{91240B29-F687-4F45-9708-019B960494DF}">
-              <a14:hiddenLine xmlns="" xmlns:a14="http://schemas.microsoft.com/office/drawing/2010/main" w="9525">
+              <a14:hiddenLine xmlns:a14="http://schemas.microsoft.com/office/drawing/2010/main" xmlns="" w="9525">
                 <a:solidFill>
                   <a:schemeClr val="tx1"/>
                 </a:solidFill>
@@ -10313,7 +10313,7 @@
     </p:spTree>
     <p:extLst>
       <p:ext uri="{BB962C8B-B14F-4D97-AF65-F5344CB8AC3E}">
-        <p14:creationId xmlns="" xmlns:p14="http://schemas.microsoft.com/office/powerpoint/2010/main" val="416688581"/>
+        <p14:creationId xmlns:p14="http://schemas.microsoft.com/office/powerpoint/2010/main" xmlns="" val="416688581"/>
       </p:ext>
     </p:extLst>
   </p:cSld>
@@ -10412,7 +10412,7 @@
           <a:blip r:embed="rId2" cstate="print">
             <a:extLst>
               <a:ext uri="{28A0092B-C50C-407E-A947-70E740481C1C}">
-                <a14:useLocalDpi xmlns="" xmlns:a14="http://schemas.microsoft.com/office/drawing/2010/main" val="0"/>
+                <a14:useLocalDpi xmlns:a14="http://schemas.microsoft.com/office/drawing/2010/main" xmlns="" val="0"/>
               </a:ext>
             </a:extLst>
           </a:blip>
@@ -10435,14 +10435,14 @@
           </a:ln>
           <a:extLst>
             <a:ext uri="{909E8E84-426E-40DD-AFC4-6F175D3DCCD1}">
-              <a14:hiddenFill xmlns="" xmlns:a14="http://schemas.microsoft.com/office/drawing/2010/main">
+              <a14:hiddenFill xmlns:a14="http://schemas.microsoft.com/office/drawing/2010/main" xmlns="">
                 <a:solidFill>
                   <a:schemeClr val="accent1"/>
                 </a:solidFill>
               </a14:hiddenFill>
             </a:ext>
             <a:ext uri="{91240B29-F687-4F45-9708-019B960494DF}">
-              <a14:hiddenLine xmlns="" xmlns:a14="http://schemas.microsoft.com/office/drawing/2010/main" w="9525">
+              <a14:hiddenLine xmlns:a14="http://schemas.microsoft.com/office/drawing/2010/main" xmlns="" w="9525">
                 <a:solidFill>
                   <a:schemeClr val="tx1"/>
                 </a:solidFill>
@@ -10466,7 +10466,7 @@
           <a:blip r:embed="rId3" cstate="print">
             <a:extLst>
               <a:ext uri="{28A0092B-C50C-407E-A947-70E740481C1C}">
-                <a14:useLocalDpi xmlns="" xmlns:a14="http://schemas.microsoft.com/office/drawing/2010/main" val="0"/>
+                <a14:useLocalDpi xmlns:a14="http://schemas.microsoft.com/office/drawing/2010/main" xmlns="" val="0"/>
               </a:ext>
             </a:extLst>
           </a:blip>
@@ -10489,14 +10489,14 @@
           </a:ln>
           <a:extLst>
             <a:ext uri="{909E8E84-426E-40DD-AFC4-6F175D3DCCD1}">
-              <a14:hiddenFill xmlns="" xmlns:a14="http://schemas.microsoft.com/office/drawing/2010/main">
+              <a14:hiddenFill xmlns:a14="http://schemas.microsoft.com/office/drawing/2010/main" xmlns="">
                 <a:solidFill>
                   <a:schemeClr val="accent1"/>
                 </a:solidFill>
               </a14:hiddenFill>
             </a:ext>
             <a:ext uri="{91240B29-F687-4F45-9708-019B960494DF}">
-              <a14:hiddenLine xmlns="" xmlns:a14="http://schemas.microsoft.com/office/drawing/2010/main" w="9525">
+              <a14:hiddenLine xmlns:a14="http://schemas.microsoft.com/office/drawing/2010/main" xmlns="" w="9525">
                 <a:solidFill>
                   <a:schemeClr val="tx1"/>
                 </a:solidFill>
@@ -10520,7 +10520,7 @@
           <a:blip r:embed="rId4" cstate="print">
             <a:extLst>
               <a:ext uri="{28A0092B-C50C-407E-A947-70E740481C1C}">
-                <a14:useLocalDpi xmlns="" xmlns:a14="http://schemas.microsoft.com/office/drawing/2010/main" val="0"/>
+                <a14:useLocalDpi xmlns:a14="http://schemas.microsoft.com/office/drawing/2010/main" xmlns="" val="0"/>
               </a:ext>
             </a:extLst>
           </a:blip>
@@ -10543,14 +10543,14 @@
           </a:ln>
           <a:extLst>
             <a:ext uri="{909E8E84-426E-40DD-AFC4-6F175D3DCCD1}">
-              <a14:hiddenFill xmlns="" xmlns:a14="http://schemas.microsoft.com/office/drawing/2010/main">
+              <a14:hiddenFill xmlns:a14="http://schemas.microsoft.com/office/drawing/2010/main" xmlns="">
                 <a:solidFill>
                   <a:schemeClr val="accent1"/>
                 </a:solidFill>
               </a14:hiddenFill>
             </a:ext>
             <a:ext uri="{91240B29-F687-4F45-9708-019B960494DF}">
-              <a14:hiddenLine xmlns="" xmlns:a14="http://schemas.microsoft.com/office/drawing/2010/main" w="9525">
+              <a14:hiddenLine xmlns:a14="http://schemas.microsoft.com/office/drawing/2010/main" xmlns="" w="9525">
                 <a:solidFill>
                   <a:schemeClr val="tx1"/>
                 </a:solidFill>
@@ -11162,7 +11162,7 @@
     </p:spTree>
     <p:extLst>
       <p:ext uri="{BB962C8B-B14F-4D97-AF65-F5344CB8AC3E}">
-        <p14:creationId xmlns="" xmlns:p14="http://schemas.microsoft.com/office/powerpoint/2010/main" val="421424590"/>
+        <p14:creationId xmlns:p14="http://schemas.microsoft.com/office/powerpoint/2010/main" xmlns="" val="421424590"/>
       </p:ext>
     </p:extLst>
   </p:cSld>
@@ -11348,7 +11348,7 @@
           <a:blip r:embed="rId2" cstate="print">
             <a:extLst>
               <a:ext uri="{28A0092B-C50C-407E-A947-70E740481C1C}">
-                <a14:useLocalDpi xmlns="" xmlns:a14="http://schemas.microsoft.com/office/drawing/2010/main" val="0"/>
+                <a14:useLocalDpi xmlns:a14="http://schemas.microsoft.com/office/drawing/2010/main" xmlns="" val="0"/>
               </a:ext>
             </a:extLst>
           </a:blip>
@@ -11368,7 +11368,7 @@
           <a:noFill/>
           <a:extLst>
             <a:ext uri="{909E8E84-426E-40DD-AFC4-6F175D3DCCD1}">
-              <a14:hiddenFill xmlns="" xmlns:a14="http://schemas.microsoft.com/office/drawing/2010/main">
+              <a14:hiddenFill xmlns:a14="http://schemas.microsoft.com/office/drawing/2010/main" xmlns="">
                 <a:solidFill>
                   <a:srgbClr val="FFFFFF"/>
                 </a:solidFill>
@@ -11389,7 +11389,7 @@
           <a:blip r:embed="rId3" cstate="print">
             <a:extLst>
               <a:ext uri="{28A0092B-C50C-407E-A947-70E740481C1C}">
-                <a14:useLocalDpi xmlns="" xmlns:a14="http://schemas.microsoft.com/office/drawing/2010/main" val="0"/>
+                <a14:useLocalDpi xmlns:a14="http://schemas.microsoft.com/office/drawing/2010/main" xmlns="" val="0"/>
               </a:ext>
             </a:extLst>
           </a:blip>
@@ -11412,14 +11412,14 @@
           </a:ln>
           <a:extLst>
             <a:ext uri="{909E8E84-426E-40DD-AFC4-6F175D3DCCD1}">
-              <a14:hiddenFill xmlns="" xmlns:a14="http://schemas.microsoft.com/office/drawing/2010/main">
+              <a14:hiddenFill xmlns:a14="http://schemas.microsoft.com/office/drawing/2010/main" xmlns="">
                 <a:solidFill>
                   <a:schemeClr val="accent1"/>
                 </a:solidFill>
               </a14:hiddenFill>
             </a:ext>
             <a:ext uri="{91240B29-F687-4F45-9708-019B960494DF}">
-              <a14:hiddenLine xmlns="" xmlns:a14="http://schemas.microsoft.com/office/drawing/2010/main" w="9525">
+              <a14:hiddenLine xmlns:a14="http://schemas.microsoft.com/office/drawing/2010/main" xmlns="" w="9525">
                 <a:solidFill>
                   <a:schemeClr val="tx1"/>
                 </a:solidFill>
@@ -11494,7 +11494,7 @@
     </p:spTree>
     <p:extLst>
       <p:ext uri="{BB962C8B-B14F-4D97-AF65-F5344CB8AC3E}">
-        <p14:creationId xmlns="" xmlns:p14="http://schemas.microsoft.com/office/powerpoint/2010/main" val="3268527677"/>
+        <p14:creationId xmlns:p14="http://schemas.microsoft.com/office/powerpoint/2010/main" xmlns="" val="3268527677"/>
       </p:ext>
     </p:extLst>
   </p:cSld>
@@ -11631,7 +11631,7 @@
           <a:blip r:embed="rId3" cstate="print">
             <a:extLst>
               <a:ext uri="{28A0092B-C50C-407E-A947-70E740481C1C}">
-                <a14:useLocalDpi xmlns="" xmlns:a14="http://schemas.microsoft.com/office/drawing/2010/main" val="0"/>
+                <a14:useLocalDpi xmlns:a14="http://schemas.microsoft.com/office/drawing/2010/main" xmlns="" val="0"/>
               </a:ext>
             </a:extLst>
           </a:blip>
@@ -11654,14 +11654,14 @@
           </a:ln>
           <a:extLst>
             <a:ext uri="{909E8E84-426E-40DD-AFC4-6F175D3DCCD1}">
-              <a14:hiddenFill xmlns="" xmlns:a14="http://schemas.microsoft.com/office/drawing/2010/main">
+              <a14:hiddenFill xmlns:a14="http://schemas.microsoft.com/office/drawing/2010/main" xmlns="">
                 <a:solidFill>
                   <a:schemeClr val="accent1"/>
                 </a:solidFill>
               </a14:hiddenFill>
             </a:ext>
             <a:ext uri="{91240B29-F687-4F45-9708-019B960494DF}">
-              <a14:hiddenLine xmlns="" xmlns:a14="http://schemas.microsoft.com/office/drawing/2010/main" w="9525">
+              <a14:hiddenLine xmlns:a14="http://schemas.microsoft.com/office/drawing/2010/main" xmlns="" w="9525">
                 <a:solidFill>
                   <a:schemeClr val="tx1"/>
                 </a:solidFill>
@@ -11726,7 +11726,7 @@
           <a:blip r:embed="rId4" cstate="print">
             <a:extLst>
               <a:ext uri="{28A0092B-C50C-407E-A947-70E740481C1C}">
-                <a14:useLocalDpi xmlns="" xmlns:a14="http://schemas.microsoft.com/office/drawing/2010/main" val="0"/>
+                <a14:useLocalDpi xmlns:a14="http://schemas.microsoft.com/office/drawing/2010/main" xmlns="" val="0"/>
               </a:ext>
             </a:extLst>
           </a:blip>
@@ -11749,14 +11749,14 @@
           </a:ln>
           <a:extLst>
             <a:ext uri="{909E8E84-426E-40DD-AFC4-6F175D3DCCD1}">
-              <a14:hiddenFill xmlns="" xmlns:a14="http://schemas.microsoft.com/office/drawing/2010/main">
+              <a14:hiddenFill xmlns:a14="http://schemas.microsoft.com/office/drawing/2010/main" xmlns="">
                 <a:solidFill>
                   <a:schemeClr val="accent1"/>
                 </a:solidFill>
               </a14:hiddenFill>
             </a:ext>
             <a:ext uri="{91240B29-F687-4F45-9708-019B960494DF}">
-              <a14:hiddenLine xmlns="" xmlns:a14="http://schemas.microsoft.com/office/drawing/2010/main" w="9525">
+              <a14:hiddenLine xmlns:a14="http://schemas.microsoft.com/office/drawing/2010/main" xmlns="" w="9525">
                 <a:solidFill>
                   <a:schemeClr val="tx1"/>
                 </a:solidFill>
@@ -11800,7 +11800,7 @@
     </p:spTree>
     <p:extLst>
       <p:ext uri="{BB962C8B-B14F-4D97-AF65-F5344CB8AC3E}">
-        <p14:creationId xmlns="" xmlns:p14="http://schemas.microsoft.com/office/powerpoint/2010/main" val="3295453626"/>
+        <p14:creationId xmlns:p14="http://schemas.microsoft.com/office/powerpoint/2010/main" xmlns="" val="3295453626"/>
       </p:ext>
     </p:extLst>
   </p:cSld>
@@ -12018,7 +12018,7 @@
           <a:blip r:embed="rId2" cstate="print">
             <a:extLst>
               <a:ext uri="{28A0092B-C50C-407E-A947-70E740481C1C}">
-                <a14:useLocalDpi xmlns="" xmlns:a14="http://schemas.microsoft.com/office/drawing/2010/main" val="0"/>
+                <a14:useLocalDpi xmlns:a14="http://schemas.microsoft.com/office/drawing/2010/main" xmlns="" val="0"/>
               </a:ext>
             </a:extLst>
           </a:blip>
@@ -12038,7 +12038,7 @@
           <a:noFill/>
           <a:extLst>
             <a:ext uri="{909E8E84-426E-40DD-AFC4-6F175D3DCCD1}">
-              <a14:hiddenFill xmlns="" xmlns:a14="http://schemas.microsoft.com/office/drawing/2010/main">
+              <a14:hiddenFill xmlns:a14="http://schemas.microsoft.com/office/drawing/2010/main" xmlns="">
                 <a:solidFill>
                   <a:srgbClr val="FFFFFF"/>
                 </a:solidFill>
@@ -12059,7 +12059,7 @@
           <a:blip r:embed="rId3" cstate="print">
             <a:extLst>
               <a:ext uri="{28A0092B-C50C-407E-A947-70E740481C1C}">
-                <a14:useLocalDpi xmlns="" xmlns:a14="http://schemas.microsoft.com/office/drawing/2010/main" val="0"/>
+                <a14:useLocalDpi xmlns:a14="http://schemas.microsoft.com/office/drawing/2010/main" xmlns="" val="0"/>
               </a:ext>
             </a:extLst>
           </a:blip>
@@ -12082,14 +12082,14 @@
           </a:ln>
           <a:extLst>
             <a:ext uri="{909E8E84-426E-40DD-AFC4-6F175D3DCCD1}">
-              <a14:hiddenFill xmlns="" xmlns:a14="http://schemas.microsoft.com/office/drawing/2010/main">
+              <a14:hiddenFill xmlns:a14="http://schemas.microsoft.com/office/drawing/2010/main" xmlns="">
                 <a:solidFill>
                   <a:schemeClr val="accent1"/>
                 </a:solidFill>
               </a14:hiddenFill>
             </a:ext>
             <a:ext uri="{91240B29-F687-4F45-9708-019B960494DF}">
-              <a14:hiddenLine xmlns="" xmlns:a14="http://schemas.microsoft.com/office/drawing/2010/main" w="9525">
+              <a14:hiddenLine xmlns:a14="http://schemas.microsoft.com/office/drawing/2010/main" xmlns="" w="9525">
                 <a:solidFill>
                   <a:schemeClr val="tx1"/>
                 </a:solidFill>
@@ -12167,7 +12167,7 @@
     </p:spTree>
     <p:extLst>
       <p:ext uri="{BB962C8B-B14F-4D97-AF65-F5344CB8AC3E}">
-        <p14:creationId xmlns="" xmlns:p14="http://schemas.microsoft.com/office/powerpoint/2010/main" val="2882252251"/>
+        <p14:creationId xmlns:p14="http://schemas.microsoft.com/office/powerpoint/2010/main" xmlns="" val="2882252251"/>
       </p:ext>
     </p:extLst>
   </p:cSld>
@@ -12303,7 +12303,7 @@
           <a:noFill/>
           <a:extLst>
             <a:ext uri="{909E8E84-426E-40DD-AFC4-6F175D3DCCD1}">
-              <a14:hiddenFill xmlns="" xmlns:a14="http://schemas.microsoft.com/office/drawing/2010/main">
+              <a14:hiddenFill xmlns:a14="http://schemas.microsoft.com/office/drawing/2010/main" xmlns="">
                 <a:solidFill>
                   <a:srgbClr val="FFFFFF"/>
                 </a:solidFill>
@@ -12342,7 +12342,7 @@
           <a:noFill/>
           <a:extLst>
             <a:ext uri="{909E8E84-426E-40DD-AFC4-6F175D3DCCD1}">
-              <a14:hiddenFill xmlns="" xmlns:a14="http://schemas.microsoft.com/office/drawing/2010/main">
+              <a14:hiddenFill xmlns:a14="http://schemas.microsoft.com/office/drawing/2010/main" xmlns="">
                 <a:solidFill>
                   <a:srgbClr val="FFFFFF"/>
                 </a:solidFill>
@@ -12381,7 +12381,7 @@
           <a:noFill/>
           <a:extLst>
             <a:ext uri="{909E8E84-426E-40DD-AFC4-6F175D3DCCD1}">
-              <a14:hiddenFill xmlns="" xmlns:a14="http://schemas.microsoft.com/office/drawing/2010/main">
+              <a14:hiddenFill xmlns:a14="http://schemas.microsoft.com/office/drawing/2010/main" xmlns="">
                 <a:solidFill>
                   <a:srgbClr val="FFFFFF"/>
                 </a:solidFill>
@@ -12420,7 +12420,7 @@
           <a:noFill/>
           <a:extLst>
             <a:ext uri="{909E8E84-426E-40DD-AFC4-6F175D3DCCD1}">
-              <a14:hiddenFill xmlns="" xmlns:a14="http://schemas.microsoft.com/office/drawing/2010/main">
+              <a14:hiddenFill xmlns:a14="http://schemas.microsoft.com/office/drawing/2010/main" xmlns="">
                 <a:solidFill>
                   <a:srgbClr val="FFFFFF"/>
                 </a:solidFill>
@@ -12459,7 +12459,7 @@
           <a:noFill/>
           <a:extLst>
             <a:ext uri="{909E8E84-426E-40DD-AFC4-6F175D3DCCD1}">
-              <a14:hiddenFill xmlns="" xmlns:a14="http://schemas.microsoft.com/office/drawing/2010/main">
+              <a14:hiddenFill xmlns:a14="http://schemas.microsoft.com/office/drawing/2010/main" xmlns="">
                 <a:solidFill>
                   <a:srgbClr val="FFFFFF"/>
                 </a:solidFill>
@@ -12489,7 +12489,7 @@
           <a:blip r:embed="rId2" cstate="print">
             <a:extLst>
               <a:ext uri="{28A0092B-C50C-407E-A947-70E740481C1C}">
-                <a14:useLocalDpi xmlns="" xmlns:a14="http://schemas.microsoft.com/office/drawing/2010/main" val="0"/>
+                <a14:useLocalDpi xmlns:a14="http://schemas.microsoft.com/office/drawing/2010/main" xmlns="" val="0"/>
               </a:ext>
             </a:extLst>
           </a:blip>
@@ -12541,7 +12541,7 @@
     </p:spTree>
     <p:extLst>
       <p:ext uri="{BB962C8B-B14F-4D97-AF65-F5344CB8AC3E}">
-        <p14:creationId xmlns="" xmlns:p14="http://schemas.microsoft.com/office/powerpoint/2010/main" val="463916208"/>
+        <p14:creationId xmlns:p14="http://schemas.microsoft.com/office/powerpoint/2010/main" xmlns="" val="463916208"/>
       </p:ext>
     </p:extLst>
   </p:cSld>
@@ -13144,7 +13144,7 @@
           <a:blip r:embed="rId2" cstate="print">
             <a:extLst>
               <a:ext uri="{28A0092B-C50C-407E-A947-70E740481C1C}">
-                <a14:useLocalDpi xmlns="" xmlns:a14="http://schemas.microsoft.com/office/drawing/2010/main" val="0"/>
+                <a14:useLocalDpi xmlns:a14="http://schemas.microsoft.com/office/drawing/2010/main" xmlns="" val="0"/>
               </a:ext>
             </a:extLst>
           </a:blip>
@@ -13167,14 +13167,14 @@
           </a:ln>
           <a:extLst>
             <a:ext uri="{909E8E84-426E-40DD-AFC4-6F175D3DCCD1}">
-              <a14:hiddenFill xmlns="" xmlns:a14="http://schemas.microsoft.com/office/drawing/2010/main">
+              <a14:hiddenFill xmlns:a14="http://schemas.microsoft.com/office/drawing/2010/main" xmlns="">
                 <a:solidFill>
                   <a:schemeClr val="accent1"/>
                 </a:solidFill>
               </a14:hiddenFill>
             </a:ext>
             <a:ext uri="{91240B29-F687-4F45-9708-019B960494DF}">
-              <a14:hiddenLine xmlns="" xmlns:a14="http://schemas.microsoft.com/office/drawing/2010/main" w="9525">
+              <a14:hiddenLine xmlns:a14="http://schemas.microsoft.com/office/drawing/2010/main" xmlns="" w="9525">
                 <a:solidFill>
                   <a:schemeClr val="tx1"/>
                 </a:solidFill>
@@ -13198,7 +13198,7 @@
           <a:blip r:embed="rId3" cstate="print">
             <a:extLst>
               <a:ext uri="{28A0092B-C50C-407E-A947-70E740481C1C}">
-                <a14:useLocalDpi xmlns="" xmlns:a14="http://schemas.microsoft.com/office/drawing/2010/main" val="0"/>
+                <a14:useLocalDpi xmlns:a14="http://schemas.microsoft.com/office/drawing/2010/main" xmlns="" val="0"/>
               </a:ext>
             </a:extLst>
           </a:blip>
@@ -13221,14 +13221,14 @@
           </a:ln>
           <a:extLst>
             <a:ext uri="{909E8E84-426E-40DD-AFC4-6F175D3DCCD1}">
-              <a14:hiddenFill xmlns="" xmlns:a14="http://schemas.microsoft.com/office/drawing/2010/main">
+              <a14:hiddenFill xmlns:a14="http://schemas.microsoft.com/office/drawing/2010/main" xmlns="">
                 <a:solidFill>
                   <a:schemeClr val="accent1"/>
                 </a:solidFill>
               </a14:hiddenFill>
             </a:ext>
             <a:ext uri="{91240B29-F687-4F45-9708-019B960494DF}">
-              <a14:hiddenLine xmlns="" xmlns:a14="http://schemas.microsoft.com/office/drawing/2010/main" w="9525">
+              <a14:hiddenLine xmlns:a14="http://schemas.microsoft.com/office/drawing/2010/main" xmlns="" w="9525">
                 <a:solidFill>
                   <a:schemeClr val="tx1"/>
                 </a:solidFill>
@@ -13378,7 +13378,7 @@
     </p:spTree>
     <p:extLst>
       <p:ext uri="{BB962C8B-B14F-4D97-AF65-F5344CB8AC3E}">
-        <p14:creationId xmlns="" xmlns:p14="http://schemas.microsoft.com/office/powerpoint/2010/main" val="1390210237"/>
+        <p14:creationId xmlns:p14="http://schemas.microsoft.com/office/powerpoint/2010/main" xmlns="" val="1390210237"/>
       </p:ext>
     </p:extLst>
   </p:cSld>
@@ -13727,7 +13727,7 @@
         <p:spPr>
           <a:xfrm>
             <a:off x="4911813" y="1869033"/>
-            <a:ext cx="508473" cy="369332"/>
+            <a:ext cx="534121" cy="369332"/>
           </a:xfrm>
           <a:prstGeom prst="rect">
             <a:avLst/>
@@ -13746,7 +13746,7 @@
             </a:r>
             <a:r>
               <a:rPr lang="en-GB" baseline="-25000" dirty="0" smtClean="0"/>
-              <a:t>1L</a:t>
+              <a:t>1R</a:t>
             </a:r>
             <a:endParaRPr lang="en-GB" baseline="-25000" dirty="0"/>
           </a:p>
@@ -13761,7 +13761,7 @@
         <p:spPr>
           <a:xfrm>
             <a:off x="5535897" y="2324566"/>
-            <a:ext cx="534121" cy="369332"/>
+            <a:ext cx="508473" cy="369332"/>
           </a:xfrm>
           <a:prstGeom prst="rect">
             <a:avLst/>
@@ -13779,7 +13779,7 @@
             </a:r>
             <a:r>
               <a:rPr lang="en-GB" baseline="-25000" dirty="0" smtClean="0"/>
-              <a:t>1R</a:t>
+              <a:t>1L</a:t>
             </a:r>
             <a:endParaRPr lang="en-GB" baseline="-25000" dirty="0"/>
           </a:p>
@@ -13860,7 +13860,7 @@
         <p:spPr>
           <a:xfrm>
             <a:off x="6069705" y="1869033"/>
-            <a:ext cx="508473" cy="369332"/>
+            <a:ext cx="534121" cy="369332"/>
           </a:xfrm>
           <a:prstGeom prst="rect">
             <a:avLst/>
@@ -13878,12 +13878,12 @@
               <a:t>E</a:t>
             </a:r>
             <a:r>
-              <a:rPr lang="en-GB" baseline="-25000" dirty="0"/>
+              <a:rPr lang="en-GB" baseline="-25000" dirty="0" smtClean="0"/>
               <a:t>2</a:t>
             </a:r>
             <a:r>
               <a:rPr lang="en-GB" baseline="-25000" dirty="0" smtClean="0"/>
-              <a:t>L</a:t>
+              <a:t>R</a:t>
             </a:r>
             <a:endParaRPr lang="en-GB" baseline="-25000" dirty="0"/>
           </a:p>
@@ -13898,7 +13898,7 @@
         <p:spPr>
           <a:xfrm>
             <a:off x="6469392" y="2324566"/>
-            <a:ext cx="534121" cy="369332"/>
+            <a:ext cx="508473" cy="369332"/>
           </a:xfrm>
           <a:prstGeom prst="rect">
             <a:avLst/>
@@ -13915,12 +13915,8 @@
               <a:t>E</a:t>
             </a:r>
             <a:r>
-              <a:rPr lang="en-GB" baseline="-25000" dirty="0"/>
-              <a:t>2</a:t>
-            </a:r>
-            <a:r>
               <a:rPr lang="en-GB" baseline="-25000" dirty="0" smtClean="0"/>
-              <a:t>R</a:t>
+              <a:t>2L</a:t>
             </a:r>
             <a:endParaRPr lang="en-GB" baseline="-25000" dirty="0"/>
           </a:p>
@@ -14001,7 +13997,7 @@
         <p:spPr>
           <a:xfrm>
             <a:off x="7081537" y="1819602"/>
-            <a:ext cx="508473" cy="369332"/>
+            <a:ext cx="534121" cy="369332"/>
           </a:xfrm>
           <a:prstGeom prst="rect">
             <a:avLst/>
@@ -14020,7 +14016,7 @@
             </a:r>
             <a:r>
               <a:rPr lang="en-GB" baseline="-25000" dirty="0" smtClean="0"/>
-              <a:t>3L</a:t>
+              <a:t>3R</a:t>
             </a:r>
             <a:endParaRPr lang="en-GB" baseline="-25000" dirty="0"/>
           </a:p>
@@ -14035,7 +14031,7 @@
         <p:spPr>
           <a:xfrm>
             <a:off x="7481224" y="2275135"/>
-            <a:ext cx="534121" cy="369332"/>
+            <a:ext cx="508473" cy="369332"/>
           </a:xfrm>
           <a:prstGeom prst="rect">
             <a:avLst/>
@@ -14053,7 +14049,7 @@
             </a:r>
             <a:r>
               <a:rPr lang="en-GB" baseline="-25000" dirty="0" smtClean="0"/>
-              <a:t>3R</a:t>
+              <a:t>3L</a:t>
             </a:r>
             <a:endParaRPr lang="en-GB" baseline="-25000" dirty="0"/>
           </a:p>
@@ -14134,7 +14130,7 @@
         <p:spPr>
           <a:xfrm>
             <a:off x="8202694" y="1776005"/>
-            <a:ext cx="508473" cy="369332"/>
+            <a:ext cx="534121" cy="369332"/>
           </a:xfrm>
           <a:prstGeom prst="rect">
             <a:avLst/>
@@ -14153,7 +14149,7 @@
             </a:r>
             <a:r>
               <a:rPr lang="en-GB" baseline="-25000" dirty="0" smtClean="0"/>
-              <a:t>4L</a:t>
+              <a:t>4R</a:t>
             </a:r>
             <a:endParaRPr lang="en-GB" baseline="-25000" dirty="0"/>
           </a:p>
@@ -14518,7 +14514,7 @@
           <a:blip r:embed="rId2" cstate="print">
             <a:extLst>
               <a:ext uri="{28A0092B-C50C-407E-A947-70E740481C1C}">
-                <a14:useLocalDpi xmlns="" xmlns:a14="http://schemas.microsoft.com/office/drawing/2010/main" val="0"/>
+                <a14:useLocalDpi xmlns:a14="http://schemas.microsoft.com/office/drawing/2010/main" xmlns="" val="0"/>
               </a:ext>
             </a:extLst>
           </a:blip>
@@ -14538,7 +14534,7 @@
           <a:noFill/>
           <a:extLst>
             <a:ext uri="{909E8E84-426E-40DD-AFC4-6F175D3DCCD1}">
-              <a14:hiddenFill xmlns="" xmlns:a14="http://schemas.microsoft.com/office/drawing/2010/main">
+              <a14:hiddenFill xmlns:a14="http://schemas.microsoft.com/office/drawing/2010/main" xmlns="">
                 <a:solidFill>
                   <a:srgbClr val="FFFFFF"/>
                 </a:solidFill>
@@ -14550,7 +14546,7 @@
     </p:spTree>
     <p:extLst>
       <p:ext uri="{BB962C8B-B14F-4D97-AF65-F5344CB8AC3E}">
-        <p14:creationId xmlns="" xmlns:p14="http://schemas.microsoft.com/office/powerpoint/2010/main" val="3015623473"/>
+        <p14:creationId xmlns:p14="http://schemas.microsoft.com/office/powerpoint/2010/main" xmlns="" val="3015623473"/>
       </p:ext>
     </p:extLst>
   </p:cSld>
@@ -14684,7 +14680,7 @@
           <a:blip r:embed="rId2" cstate="print">
             <a:extLst>
               <a:ext uri="{28A0092B-C50C-407E-A947-70E740481C1C}">
-                <a14:useLocalDpi xmlns="" xmlns:a14="http://schemas.microsoft.com/office/drawing/2010/main" val="0"/>
+                <a14:useLocalDpi xmlns:a14="http://schemas.microsoft.com/office/drawing/2010/main" xmlns="" val="0"/>
               </a:ext>
             </a:extLst>
           </a:blip>
@@ -14704,7 +14700,7 @@
           <a:noFill/>
           <a:extLst>
             <a:ext uri="{909E8E84-426E-40DD-AFC4-6F175D3DCCD1}">
-              <a14:hiddenFill xmlns="" xmlns:a14="http://schemas.microsoft.com/office/drawing/2010/main">
+              <a14:hiddenFill xmlns:a14="http://schemas.microsoft.com/office/drawing/2010/main" xmlns="">
                 <a:solidFill>
                   <a:srgbClr val="FFFFFF"/>
                 </a:solidFill>
@@ -14725,7 +14721,7 @@
           <a:blip r:embed="rId3" cstate="print">
             <a:extLst>
               <a:ext uri="{28A0092B-C50C-407E-A947-70E740481C1C}">
-                <a14:useLocalDpi xmlns="" xmlns:a14="http://schemas.microsoft.com/office/drawing/2010/main" val="0"/>
+                <a14:useLocalDpi xmlns:a14="http://schemas.microsoft.com/office/drawing/2010/main" xmlns="" val="0"/>
               </a:ext>
             </a:extLst>
           </a:blip>
@@ -14745,7 +14741,7 @@
           <a:noFill/>
           <a:extLst>
             <a:ext uri="{909E8E84-426E-40DD-AFC4-6F175D3DCCD1}">
-              <a14:hiddenFill xmlns="" xmlns:a14="http://schemas.microsoft.com/office/drawing/2010/main">
+              <a14:hiddenFill xmlns:a14="http://schemas.microsoft.com/office/drawing/2010/main" xmlns="">
                 <a:solidFill>
                   <a:srgbClr val="FFFFFF"/>
                 </a:solidFill>
@@ -14993,7 +14989,7 @@
     </p:spTree>
     <p:extLst>
       <p:ext uri="{BB962C8B-B14F-4D97-AF65-F5344CB8AC3E}">
-        <p14:creationId xmlns="" xmlns:p14="http://schemas.microsoft.com/office/powerpoint/2010/main" val="469735232"/>
+        <p14:creationId xmlns:p14="http://schemas.microsoft.com/office/powerpoint/2010/main" xmlns="" val="469735232"/>
       </p:ext>
     </p:extLst>
   </p:cSld>
@@ -15069,14 +15065,14 @@
           <a:effectLst/>
           <a:extLst>
             <a:ext uri="{909E8E84-426E-40DD-AFC4-6F175D3DCCD1}">
-              <a14:hiddenFill xmlns="" xmlns:a14="http://schemas.microsoft.com/office/drawing/2010/main">
+              <a14:hiddenFill xmlns:a14="http://schemas.microsoft.com/office/drawing/2010/main" xmlns="">
                 <a:solidFill>
                   <a:schemeClr val="accent1"/>
                 </a:solidFill>
               </a14:hiddenFill>
             </a:ext>
             <a:ext uri="{91240B29-F687-4F45-9708-019B960494DF}">
-              <a14:hiddenLine xmlns="" xmlns:a14="http://schemas.microsoft.com/office/drawing/2010/main" w="9525">
+              <a14:hiddenLine xmlns:a14="http://schemas.microsoft.com/office/drawing/2010/main" xmlns="" w="9525">
                 <a:solidFill>
                   <a:schemeClr val="tx1"/>
                 </a:solidFill>
@@ -15086,7 +15082,7 @@
               </a14:hiddenLine>
             </a:ext>
             <a:ext uri="{AF507438-7753-43E0-B8FC-AC1667EBCBE1}">
-              <a14:hiddenEffects xmlns="" xmlns:a14="http://schemas.microsoft.com/office/drawing/2010/main">
+              <a14:hiddenEffects xmlns:a14="http://schemas.microsoft.com/office/drawing/2010/main" xmlns="">
                 <a:effectLst>
                   <a:outerShdw dist="35921" dir="2700000" algn="ctr" rotWithShape="0">
                     <a:schemeClr val="bg2"/>
@@ -16281,7 +16277,7 @@
     </p:spTree>
     <p:extLst>
       <p:ext uri="{BB962C8B-B14F-4D97-AF65-F5344CB8AC3E}">
-        <p14:creationId xmlns="" xmlns:p14="http://schemas.microsoft.com/office/powerpoint/2010/main" val="329299162"/>
+        <p14:creationId xmlns:p14="http://schemas.microsoft.com/office/powerpoint/2010/main" xmlns="" val="329299162"/>
       </p:ext>
     </p:extLst>
   </p:cSld>
@@ -16370,7 +16366,7 @@
           <a:blip r:embed="rId2" cstate="print">
             <a:extLst>
               <a:ext uri="{28A0092B-C50C-407E-A947-70E740481C1C}">
-                <a14:useLocalDpi xmlns="" xmlns:a14="http://schemas.microsoft.com/office/drawing/2010/main" val="0"/>
+                <a14:useLocalDpi xmlns:a14="http://schemas.microsoft.com/office/drawing/2010/main" xmlns="" val="0"/>
               </a:ext>
             </a:extLst>
           </a:blip>
@@ -17050,7 +17046,7 @@
           <a:blip r:embed="rId3" cstate="print">
             <a:extLst>
               <a:ext uri="{28A0092B-C50C-407E-A947-70E740481C1C}">
-                <a14:useLocalDpi xmlns="" xmlns:a14="http://schemas.microsoft.com/office/drawing/2010/main" val="0"/>
+                <a14:useLocalDpi xmlns:a14="http://schemas.microsoft.com/office/drawing/2010/main" xmlns="" val="0"/>
               </a:ext>
             </a:extLst>
           </a:blip>
@@ -17070,7 +17066,7 @@
           <a:noFill/>
           <a:extLst>
             <a:ext uri="{909E8E84-426E-40DD-AFC4-6F175D3DCCD1}">
-              <a14:hiddenFill xmlns="" xmlns:a14="http://schemas.microsoft.com/office/drawing/2010/main">
+              <a14:hiddenFill xmlns:a14="http://schemas.microsoft.com/office/drawing/2010/main" xmlns="">
                 <a:solidFill>
                   <a:srgbClr val="FFFFFF"/>
                 </a:solidFill>
@@ -17193,7 +17189,7 @@
     </p:spTree>
     <p:extLst>
       <p:ext uri="{BB962C8B-B14F-4D97-AF65-F5344CB8AC3E}">
-        <p14:creationId xmlns="" xmlns:p14="http://schemas.microsoft.com/office/powerpoint/2010/main" val="2802991171"/>
+        <p14:creationId xmlns:p14="http://schemas.microsoft.com/office/powerpoint/2010/main" xmlns="" val="2802991171"/>
       </p:ext>
     </p:extLst>
   </p:cSld>
@@ -17885,7 +17881,7 @@
           <a:blip r:embed="rId2" cstate="print">
             <a:extLst>
               <a:ext uri="{28A0092B-C50C-407E-A947-70E740481C1C}">
-                <a14:useLocalDpi xmlns="" xmlns:a14="http://schemas.microsoft.com/office/drawing/2010/main" val="0"/>
+                <a14:useLocalDpi xmlns:a14="http://schemas.microsoft.com/office/drawing/2010/main" xmlns="" val="0"/>
               </a:ext>
             </a:extLst>
           </a:blip>
@@ -17908,14 +17904,14 @@
           </a:ln>
           <a:extLst>
             <a:ext uri="{909E8E84-426E-40DD-AFC4-6F175D3DCCD1}">
-              <a14:hiddenFill xmlns="" xmlns:a14="http://schemas.microsoft.com/office/drawing/2010/main">
+              <a14:hiddenFill xmlns:a14="http://schemas.microsoft.com/office/drawing/2010/main" xmlns="">
                 <a:solidFill>
                   <a:schemeClr val="accent1"/>
                 </a:solidFill>
               </a14:hiddenFill>
             </a:ext>
             <a:ext uri="{91240B29-F687-4F45-9708-019B960494DF}">
-              <a14:hiddenLine xmlns="" xmlns:a14="http://schemas.microsoft.com/office/drawing/2010/main" w="9525">
+              <a14:hiddenLine xmlns:a14="http://schemas.microsoft.com/office/drawing/2010/main" xmlns="" w="9525">
                 <a:solidFill>
                   <a:schemeClr val="tx1"/>
                 </a:solidFill>
@@ -17939,7 +17935,7 @@
           <a:blip r:embed="rId3" cstate="print">
             <a:extLst>
               <a:ext uri="{28A0092B-C50C-407E-A947-70E740481C1C}">
-                <a14:useLocalDpi xmlns="" xmlns:a14="http://schemas.microsoft.com/office/drawing/2010/main" val="0"/>
+                <a14:useLocalDpi xmlns:a14="http://schemas.microsoft.com/office/drawing/2010/main" xmlns="" val="0"/>
               </a:ext>
             </a:extLst>
           </a:blip>
@@ -17962,14 +17958,14 @@
           </a:ln>
           <a:extLst>
             <a:ext uri="{909E8E84-426E-40DD-AFC4-6F175D3DCCD1}">
-              <a14:hiddenFill xmlns="" xmlns:a14="http://schemas.microsoft.com/office/drawing/2010/main">
+              <a14:hiddenFill xmlns:a14="http://schemas.microsoft.com/office/drawing/2010/main" xmlns="">
                 <a:solidFill>
                   <a:schemeClr val="accent1"/>
                 </a:solidFill>
               </a14:hiddenFill>
             </a:ext>
             <a:ext uri="{91240B29-F687-4F45-9708-019B960494DF}">
-              <a14:hiddenLine xmlns="" xmlns:a14="http://schemas.microsoft.com/office/drawing/2010/main" w="9525">
+              <a14:hiddenLine xmlns:a14="http://schemas.microsoft.com/office/drawing/2010/main" xmlns="" w="9525">
                 <a:solidFill>
                   <a:schemeClr val="tx1"/>
                 </a:solidFill>
@@ -18050,7 +18046,7 @@
     </p:spTree>
     <p:extLst>
       <p:ext uri="{BB962C8B-B14F-4D97-AF65-F5344CB8AC3E}">
-        <p14:creationId xmlns="" xmlns:p14="http://schemas.microsoft.com/office/powerpoint/2010/main" val="1391356534"/>
+        <p14:creationId xmlns:p14="http://schemas.microsoft.com/office/powerpoint/2010/main" xmlns="" val="1391356534"/>
       </p:ext>
     </p:extLst>
   </p:cSld>
